--- a/proj_AI/3rd week/1_이경원_모델변경사유.pptx
+++ b/proj_AI/3rd week/1_이경원_모델변경사유.pptx
@@ -5008,15 +5008,15 @@
               </a:lnSpc>
             </a:pPr>
             <a:r>
-              <a:rPr lang="en-US" altLang="ko-KR" sz="1600" b="1" dirty="0">
+              <a:rPr lang="en-US" altLang="ko-KR" sz="1600" dirty="0">
                 <a:solidFill>
                   <a:schemeClr val="bg2">
                     <a:lumMod val="25000"/>
                   </a:schemeClr>
                 </a:solidFill>
-                <a:latin typeface="KoPubWorld돋움체 Bold" panose="00000800000000000000" pitchFamily="2" charset="-127"/>
-                <a:ea typeface="KoPubWorld돋움체 Bold" panose="00000800000000000000" pitchFamily="2" charset="-127"/>
-                <a:cs typeface="KoPubWorld돋움체 Bold" panose="00000800000000000000" pitchFamily="2" charset="-127"/>
+                <a:latin typeface="KoPubWorld돋움체 Medium" panose="00000600000000000000" pitchFamily="2" charset="-127"/>
+                <a:ea typeface="KoPubWorld돋움체 Medium" panose="00000600000000000000" pitchFamily="2" charset="-127"/>
+                <a:cs typeface="KoPubWorld돋움체 Medium" panose="00000600000000000000" pitchFamily="2" charset="-127"/>
               </a:rPr>
               <a:t>Body-tracking</a:t>
             </a:r>

--- a/proj_AI/3rd week/1_이경원_모델변경사유.pptx
+++ b/proj_AI/3rd week/1_이경원_모델변경사유.pptx
@@ -3878,10 +3878,10 @@
       </p:sp>
       <p:sp>
         <p:nvSpPr>
-          <p:cNvPr id="41" name="직사각형 40">
-            <a:extLst>
-              <a:ext uri="{FF2B5EF4-FFF2-40B4-BE49-F238E27FC236}">
-                <a16:creationId xmlns:a16="http://schemas.microsoft.com/office/drawing/2014/main" id="{EDDE37D4-9B4A-469D-BE11-E6DC685DA40E}"/>
+          <p:cNvPr id="25" name="사각형: 둥근 모서리 24">
+            <a:extLst>
+              <a:ext uri="{FF2B5EF4-FFF2-40B4-BE49-F238E27FC236}">
+                <a16:creationId xmlns:a16="http://schemas.microsoft.com/office/drawing/2014/main" id="{92C97034-254E-46EE-8D90-3CBBE88FA846}"/>
               </a:ext>
             </a:extLst>
           </p:cNvPr>
@@ -3890,729 +3890,8 @@
         </p:nvSpPr>
         <p:spPr>
           <a:xfrm>
-            <a:off x="6313143" y="2130430"/>
-            <a:ext cx="3613303" cy="4429578"/>
-          </a:xfrm>
-          <a:prstGeom prst="rect">
-            <a:avLst/>
-          </a:prstGeom>
-          <a:noFill/>
-          <a:ln>
-            <a:solidFill>
-              <a:srgbClr val="014099"/>
-            </a:solidFill>
-          </a:ln>
-        </p:spPr>
-        <p:style>
-          <a:lnRef idx="2">
-            <a:schemeClr val="accent1">
-              <a:shade val="50000"/>
-            </a:schemeClr>
-          </a:lnRef>
-          <a:fillRef idx="1">
-            <a:schemeClr val="accent1"/>
-          </a:fillRef>
-          <a:effectRef idx="0">
-            <a:schemeClr val="accent1"/>
-          </a:effectRef>
-          <a:fontRef idx="minor">
-            <a:schemeClr val="lt1"/>
-          </a:fontRef>
-        </p:style>
-        <p:txBody>
-          <a:bodyPr rtlCol="0" anchor="ctr"/>
-          <a:lstStyle/>
-          <a:p>
-            <a:pPr algn="ctr"/>
-            <a:endParaRPr lang="ko-KR" altLang="en-US"/>
-          </a:p>
-        </p:txBody>
-      </p:sp>
-      <p:sp>
-        <p:nvSpPr>
-          <p:cNvPr id="64" name="직사각형 63">
-            <a:extLst>
-              <a:ext uri="{FF2B5EF4-FFF2-40B4-BE49-F238E27FC236}">
-                <a16:creationId xmlns:a16="http://schemas.microsoft.com/office/drawing/2014/main" id="{76BFF6CF-1578-4E8A-BE91-86CF8B1C2E97}"/>
-              </a:ext>
-            </a:extLst>
-          </p:cNvPr>
-          <p:cNvSpPr/>
-          <p:nvPr/>
-        </p:nvSpPr>
-        <p:spPr>
-          <a:xfrm>
-            <a:off x="6592210" y="2350701"/>
-            <a:ext cx="3093493" cy="441864"/>
-          </a:xfrm>
-          <a:prstGeom prst="rect">
-            <a:avLst/>
-          </a:prstGeom>
-          <a:solidFill>
-            <a:schemeClr val="accent5">
-              <a:lumMod val="20000"/>
-              <a:lumOff val="80000"/>
-            </a:schemeClr>
-          </a:solidFill>
-          <a:ln>
-            <a:noFill/>
-          </a:ln>
-        </p:spPr>
-        <p:style>
-          <a:lnRef idx="2">
-            <a:schemeClr val="accent1">
-              <a:shade val="50000"/>
-            </a:schemeClr>
-          </a:lnRef>
-          <a:fillRef idx="1">
-            <a:schemeClr val="accent1"/>
-          </a:fillRef>
-          <a:effectRef idx="0">
-            <a:schemeClr val="accent1"/>
-          </a:effectRef>
-          <a:fontRef idx="minor">
-            <a:schemeClr val="lt1"/>
-          </a:fontRef>
-        </p:style>
-        <p:txBody>
-          <a:bodyPr rtlCol="0" anchor="ctr"/>
-          <a:lstStyle/>
-          <a:p>
-            <a:pPr algn="ctr"/>
-            <a:endParaRPr lang="ko-KR" altLang="en-US" sz="1600" dirty="0">
-              <a:latin typeface="KoPubWorld돋움체 Medium" panose="00000600000000000000" pitchFamily="2" charset="-127"/>
-              <a:ea typeface="KoPubWorld돋움체 Medium" panose="00000600000000000000" pitchFamily="2" charset="-127"/>
-              <a:cs typeface="KoPubWorld돋움체 Medium" panose="00000600000000000000" pitchFamily="2" charset="-127"/>
-            </a:endParaRPr>
-          </a:p>
-        </p:txBody>
-      </p:sp>
-      <p:sp>
-        <p:nvSpPr>
-          <p:cNvPr id="72" name="제목 1">
-            <a:extLst>
-              <a:ext uri="{FF2B5EF4-FFF2-40B4-BE49-F238E27FC236}">
-                <a16:creationId xmlns:a16="http://schemas.microsoft.com/office/drawing/2014/main" id="{B271F213-CF0C-42A6-AD4F-C9C4B858F8A4}"/>
-              </a:ext>
-            </a:extLst>
-          </p:cNvPr>
-          <p:cNvSpPr txBox="1">
-            <a:spLocks/>
-          </p:cNvSpPr>
-          <p:nvPr/>
-        </p:nvSpPr>
-        <p:spPr>
-          <a:xfrm>
-            <a:off x="6573616" y="5390665"/>
-            <a:ext cx="3087446" cy="977169"/>
-          </a:xfrm>
-          <a:prstGeom prst="rect">
-            <a:avLst/>
-          </a:prstGeom>
-          <a:solidFill>
-            <a:schemeClr val="accent6">
-              <a:lumMod val="40000"/>
-              <a:lumOff val="60000"/>
-              <a:alpha val="52000"/>
-            </a:schemeClr>
-          </a:solidFill>
-          <a:ln>
-            <a:noFill/>
-          </a:ln>
-        </p:spPr>
-        <p:txBody>
-          <a:bodyPr vert="horz" lIns="91440" tIns="45720" rIns="91440" bIns="45720" rtlCol="0" anchor="ctr">
-            <a:normAutofit/>
-          </a:bodyPr>
-          <a:lstStyle>
-            <a:lvl1pPr algn="l" defTabSz="914400" rtl="0" eaLnBrk="1" latinLnBrk="1" hangingPunct="1">
-              <a:lnSpc>
-                <a:spcPct val="90000"/>
-              </a:lnSpc>
-              <a:spcBef>
-                <a:spcPct val="0"/>
-              </a:spcBef>
-              <a:buNone/>
-              <a:defRPr sz="4400" kern="1200">
-                <a:solidFill>
-                  <a:schemeClr val="tx1"/>
-                </a:solidFill>
-                <a:latin typeface="+mj-lt"/>
-                <a:ea typeface="+mj-ea"/>
-                <a:cs typeface="+mj-cs"/>
-              </a:defRPr>
-            </a:lvl1pPr>
-          </a:lstStyle>
-          <a:p>
-            <a:pPr algn="ctr"/>
-            <a:endParaRPr lang="en-US" altLang="ko-KR" sz="1400" b="1" dirty="0">
-              <a:latin typeface="KoPubWorld돋움체 Medium" panose="00000600000000000000" pitchFamily="2" charset="-127"/>
-              <a:ea typeface="KoPubWorld돋움체 Medium" panose="00000600000000000000" pitchFamily="2" charset="-127"/>
-              <a:cs typeface="KoPubWorld돋움체 Medium" panose="00000600000000000000" pitchFamily="2" charset="-127"/>
-            </a:endParaRPr>
-          </a:p>
-        </p:txBody>
-      </p:sp>
-      <p:sp>
-        <p:nvSpPr>
-          <p:cNvPr id="73" name="Google Shape;59;p13">
-            <a:extLst>
-              <a:ext uri="{FF2B5EF4-FFF2-40B4-BE49-F238E27FC236}">
-                <a16:creationId xmlns:a16="http://schemas.microsoft.com/office/drawing/2014/main" id="{7A3025DB-5E14-47D8-96C9-48E41B4718BF}"/>
-              </a:ext>
-            </a:extLst>
-          </p:cNvPr>
-          <p:cNvSpPr txBox="1"/>
-          <p:nvPr/>
-        </p:nvSpPr>
-        <p:spPr>
-          <a:xfrm>
-            <a:off x="6807347" y="5564933"/>
-            <a:ext cx="2639660" cy="560400"/>
-          </a:xfrm>
-          <a:prstGeom prst="rect">
-            <a:avLst/>
-          </a:prstGeom>
-          <a:noFill/>
-          <a:ln>
-            <a:noFill/>
-          </a:ln>
-        </p:spPr>
-        <p:txBody>
-          <a:bodyPr spcFirstLastPara="1" wrap="square" lIns="121900" tIns="121900" rIns="121900" bIns="121900" anchor="t" anchorCtr="0">
-            <a:noAutofit/>
-          </a:bodyPr>
-          <a:lstStyle/>
-          <a:p>
-            <a:pPr algn="ctr"/>
-            <a:r>
-              <a:rPr lang="ko-KR" altLang="en-US" sz="1400" dirty="0">
-                <a:solidFill>
-                  <a:srgbClr val="C00000"/>
-                </a:solidFill>
-                <a:latin typeface="KoPubWorld돋움체 Bold" panose="00000800000000000000" pitchFamily="2" charset="-127"/>
-                <a:ea typeface="KoPubWorld돋움체 Bold" panose="00000800000000000000" pitchFamily="2" charset="-127"/>
-                <a:cs typeface="KoPubWorld돋움체 Bold" panose="00000800000000000000" pitchFamily="2" charset="-127"/>
-              </a:rPr>
-              <a:t>상반신만을 대상</a:t>
-            </a:r>
-            <a:r>
-              <a:rPr lang="ko-KR" altLang="en-US" sz="1400" dirty="0">
-                <a:latin typeface="KoPubWorld돋움체 Medium" panose="00000600000000000000" pitchFamily="2" charset="-127"/>
-                <a:ea typeface="KoPubWorld돋움체 Medium" panose="00000600000000000000" pitchFamily="2" charset="-127"/>
-                <a:cs typeface="KoPubWorld돋움체 Medium" panose="00000600000000000000" pitchFamily="2" charset="-127"/>
-              </a:rPr>
-              <a:t>으로</a:t>
-            </a:r>
-            <a:r>
-              <a:rPr lang="ko-KR" altLang="en-US" sz="1400" dirty="0">
-                <a:solidFill>
-                  <a:srgbClr val="C00000"/>
-                </a:solidFill>
-                <a:latin typeface="KoPubWorld돋움체 Medium" panose="00000600000000000000" pitchFamily="2" charset="-127"/>
-                <a:ea typeface="KoPubWorld돋움체 Medium" panose="00000600000000000000" pitchFamily="2" charset="-127"/>
-                <a:cs typeface="KoPubWorld돋움체 Medium" panose="00000600000000000000" pitchFamily="2" charset="-127"/>
-              </a:rPr>
-              <a:t> </a:t>
-            </a:r>
-            <a:r>
-              <a:rPr lang="ko-KR" altLang="en-US" sz="1400" dirty="0">
-                <a:latin typeface="KoPubWorld돋움체 Medium" panose="00000600000000000000" pitchFamily="2" charset="-127"/>
-                <a:ea typeface="KoPubWorld돋움체 Medium" panose="00000600000000000000" pitchFamily="2" charset="-127"/>
-                <a:cs typeface="KoPubWorld돋움체 Medium" panose="00000600000000000000" pitchFamily="2" charset="-127"/>
-              </a:rPr>
-              <a:t>한</a:t>
-            </a:r>
-            <a:r>
-              <a:rPr lang="ko-KR" altLang="en-US" sz="1400" dirty="0">
-                <a:solidFill>
-                  <a:srgbClr val="C00000"/>
-                </a:solidFill>
-                <a:latin typeface="KoPubWorld돋움체 Medium" panose="00000600000000000000" pitchFamily="2" charset="-127"/>
-                <a:ea typeface="KoPubWorld돋움체 Medium" panose="00000600000000000000" pitchFamily="2" charset="-127"/>
-                <a:cs typeface="KoPubWorld돋움체 Medium" panose="00000600000000000000" pitchFamily="2" charset="-127"/>
-              </a:rPr>
-              <a:t> </a:t>
-            </a:r>
-            <a:r>
-              <a:rPr lang="ko-KR" altLang="en-US" sz="1400" dirty="0">
-                <a:latin typeface="KoPubWorld돋움체 Medium" panose="00000600000000000000" pitchFamily="2" charset="-127"/>
-                <a:ea typeface="KoPubWorld돋움체 Medium" panose="00000600000000000000" pitchFamily="2" charset="-127"/>
-                <a:cs typeface="KoPubWorld돋움체 Medium" panose="00000600000000000000" pitchFamily="2" charset="-127"/>
-              </a:rPr>
-              <a:t>테스트 </a:t>
-            </a:r>
-            <a:endParaRPr lang="en-US" altLang="ko-KR" sz="1400" dirty="0">
-              <a:latin typeface="KoPubWorld돋움체 Medium" panose="00000600000000000000" pitchFamily="2" charset="-127"/>
-              <a:ea typeface="KoPubWorld돋움체 Medium" panose="00000600000000000000" pitchFamily="2" charset="-127"/>
-              <a:cs typeface="KoPubWorld돋움체 Medium" panose="00000600000000000000" pitchFamily="2" charset="-127"/>
-            </a:endParaRPr>
-          </a:p>
-        </p:txBody>
-      </p:sp>
-      <p:sp>
-        <p:nvSpPr>
-          <p:cNvPr id="74" name="순서도: 대체 처리 73">
-            <a:extLst>
-              <a:ext uri="{FF2B5EF4-FFF2-40B4-BE49-F238E27FC236}">
-                <a16:creationId xmlns:a16="http://schemas.microsoft.com/office/drawing/2014/main" id="{D6F51FAF-492A-4FBB-9C4D-F1A1170C83DA}"/>
-              </a:ext>
-            </a:extLst>
-          </p:cNvPr>
-          <p:cNvSpPr/>
-          <p:nvPr/>
-        </p:nvSpPr>
-        <p:spPr>
-          <a:xfrm>
-            <a:off x="7430559" y="5246210"/>
-            <a:ext cx="1431636" cy="259358"/>
-          </a:xfrm>
-          <a:prstGeom prst="flowChartAlternateProcess">
-            <a:avLst/>
-          </a:prstGeom>
-          <a:solidFill>
-            <a:schemeClr val="accent6">
-              <a:lumMod val="60000"/>
-              <a:lumOff val="40000"/>
-            </a:schemeClr>
-          </a:solidFill>
-          <a:ln>
-            <a:noFill/>
-          </a:ln>
-        </p:spPr>
-        <p:style>
-          <a:lnRef idx="2">
-            <a:schemeClr val="accent1">
-              <a:shade val="50000"/>
-            </a:schemeClr>
-          </a:lnRef>
-          <a:fillRef idx="1">
-            <a:schemeClr val="accent1"/>
-          </a:fillRef>
-          <a:effectRef idx="0">
-            <a:schemeClr val="accent1"/>
-          </a:effectRef>
-          <a:fontRef idx="minor">
-            <a:schemeClr val="lt1"/>
-          </a:fontRef>
-        </p:style>
-        <p:txBody>
-          <a:bodyPr rtlCol="0" anchor="ctr"/>
-          <a:lstStyle/>
-          <a:p>
-            <a:pPr algn="ctr"/>
-            <a:endParaRPr lang="ko-KR" altLang="en-US"/>
-          </a:p>
-        </p:txBody>
-      </p:sp>
-      <p:sp>
-        <p:nvSpPr>
-          <p:cNvPr id="75" name="Google Shape;59;p13">
-            <a:extLst>
-              <a:ext uri="{FF2B5EF4-FFF2-40B4-BE49-F238E27FC236}">
-                <a16:creationId xmlns:a16="http://schemas.microsoft.com/office/drawing/2014/main" id="{4F1820C9-5A56-4A65-96EA-9D9D223092A7}"/>
-              </a:ext>
-            </a:extLst>
-          </p:cNvPr>
-          <p:cNvSpPr txBox="1"/>
-          <p:nvPr/>
-        </p:nvSpPr>
-        <p:spPr>
-          <a:xfrm>
-            <a:off x="7564520" y="5155848"/>
-            <a:ext cx="1163713" cy="333249"/>
-          </a:xfrm>
-          <a:prstGeom prst="rect">
-            <a:avLst/>
-          </a:prstGeom>
-          <a:noFill/>
-          <a:ln>
-            <a:noFill/>
-          </a:ln>
-        </p:spPr>
-        <p:txBody>
-          <a:bodyPr spcFirstLastPara="1" wrap="square" lIns="121900" tIns="121900" rIns="121900" bIns="121900" anchor="t" anchorCtr="0">
-            <a:noAutofit/>
-          </a:bodyPr>
-          <a:lstStyle/>
-          <a:p>
-            <a:pPr algn="ctr"/>
-            <a:r>
-              <a:rPr lang="en-US" sz="1400" dirty="0">
-                <a:latin typeface="KoPubWorld돋움체 Medium" panose="00000600000000000000" pitchFamily="2" charset="-127"/>
-                <a:ea typeface="KoPubWorld돋움체 Medium" panose="00000600000000000000" pitchFamily="2" charset="-127"/>
-                <a:cs typeface="KoPubWorld돋움체 Medium" panose="00000600000000000000" pitchFamily="2" charset="-127"/>
-              </a:rPr>
-              <a:t>opportunity</a:t>
-            </a:r>
-            <a:endParaRPr sz="1400" dirty="0">
-              <a:latin typeface="KoPubWorld돋움체 Medium" panose="00000600000000000000" pitchFamily="2" charset="-127"/>
-              <a:ea typeface="KoPubWorld돋움체 Medium" panose="00000600000000000000" pitchFamily="2" charset="-127"/>
-              <a:cs typeface="KoPubWorld돋움체 Medium" panose="00000600000000000000" pitchFamily="2" charset="-127"/>
-            </a:endParaRPr>
-          </a:p>
-        </p:txBody>
-      </p:sp>
-      <p:grpSp>
-        <p:nvGrpSpPr>
-          <p:cNvPr id="50" name="그룹 49">
-            <a:extLst>
-              <a:ext uri="{FF2B5EF4-FFF2-40B4-BE49-F238E27FC236}">
-                <a16:creationId xmlns:a16="http://schemas.microsoft.com/office/drawing/2014/main" id="{0DE9561B-1D44-41B8-A6E6-F7D43585CFF1}"/>
-              </a:ext>
-            </a:extLst>
-          </p:cNvPr>
-          <p:cNvGrpSpPr/>
-          <p:nvPr/>
-        </p:nvGrpSpPr>
-        <p:grpSpPr>
-          <a:xfrm>
-            <a:off x="2283921" y="2130430"/>
-            <a:ext cx="3613303" cy="4429577"/>
-            <a:chOff x="8377366" y="1729075"/>
-            <a:chExt cx="3613303" cy="4429577"/>
-          </a:xfrm>
-        </p:grpSpPr>
-        <p:sp>
-          <p:nvSpPr>
-            <p:cNvPr id="51" name="직사각형 50">
-              <a:extLst>
-                <a:ext uri="{FF2B5EF4-FFF2-40B4-BE49-F238E27FC236}">
-                  <a16:creationId xmlns:a16="http://schemas.microsoft.com/office/drawing/2014/main" id="{BF92CC11-6E2E-4078-872C-F835442D94DE}"/>
-                </a:ext>
-              </a:extLst>
-            </p:cNvPr>
-            <p:cNvSpPr/>
-            <p:nvPr/>
-          </p:nvSpPr>
-          <p:spPr>
-            <a:xfrm>
-              <a:off x="8377366" y="1729075"/>
-              <a:ext cx="3613303" cy="4429577"/>
-            </a:xfrm>
-            <a:prstGeom prst="rect">
-              <a:avLst/>
-            </a:prstGeom>
-            <a:noFill/>
-            <a:ln>
-              <a:solidFill>
-                <a:srgbClr val="014099"/>
-              </a:solidFill>
-            </a:ln>
-          </p:spPr>
-          <p:style>
-            <a:lnRef idx="2">
-              <a:schemeClr val="accent1">
-                <a:shade val="50000"/>
-              </a:schemeClr>
-            </a:lnRef>
-            <a:fillRef idx="1">
-              <a:schemeClr val="accent1"/>
-            </a:fillRef>
-            <a:effectRef idx="0">
-              <a:schemeClr val="accent1"/>
-            </a:effectRef>
-            <a:fontRef idx="minor">
-              <a:schemeClr val="lt1"/>
-            </a:fontRef>
-          </p:style>
-          <p:txBody>
-            <a:bodyPr rtlCol="0" anchor="ctr"/>
-            <a:lstStyle/>
-            <a:p>
-              <a:pPr algn="ctr"/>
-              <a:endParaRPr lang="ko-KR" altLang="en-US"/>
-            </a:p>
-          </p:txBody>
-        </p:sp>
-        <p:sp>
-          <p:nvSpPr>
-            <p:cNvPr id="52" name="직사각형 51">
-              <a:extLst>
-                <a:ext uri="{FF2B5EF4-FFF2-40B4-BE49-F238E27FC236}">
-                  <a16:creationId xmlns:a16="http://schemas.microsoft.com/office/drawing/2014/main" id="{09EF18F0-36F7-419A-B0BB-5058117CB9D3}"/>
-                </a:ext>
-              </a:extLst>
-            </p:cNvPr>
-            <p:cNvSpPr/>
-            <p:nvPr/>
-          </p:nvSpPr>
-          <p:spPr>
-            <a:xfrm>
-              <a:off x="8654785" y="1931737"/>
-              <a:ext cx="3093493" cy="427808"/>
-            </a:xfrm>
-            <a:prstGeom prst="rect">
-              <a:avLst/>
-            </a:prstGeom>
-            <a:solidFill>
-              <a:schemeClr val="accent5">
-                <a:lumMod val="20000"/>
-                <a:lumOff val="80000"/>
-              </a:schemeClr>
-            </a:solidFill>
-            <a:ln>
-              <a:noFill/>
-            </a:ln>
-          </p:spPr>
-          <p:style>
-            <a:lnRef idx="2">
-              <a:schemeClr val="accent1">
-                <a:shade val="50000"/>
-              </a:schemeClr>
-            </a:lnRef>
-            <a:fillRef idx="1">
-              <a:schemeClr val="accent1"/>
-            </a:fillRef>
-            <a:effectRef idx="0">
-              <a:schemeClr val="accent1"/>
-            </a:effectRef>
-            <a:fontRef idx="minor">
-              <a:schemeClr val="lt1"/>
-            </a:fontRef>
-          </p:style>
-          <p:txBody>
-            <a:bodyPr rtlCol="0" anchor="ctr"/>
-            <a:lstStyle/>
-            <a:p>
-              <a:pPr algn="ctr"/>
-              <a:endParaRPr lang="ko-KR" altLang="en-US" sz="1600" dirty="0">
-                <a:latin typeface="KoPubWorld돋움체 Medium" panose="00000600000000000000" pitchFamily="2" charset="-127"/>
-                <a:ea typeface="KoPubWorld돋움체 Medium" panose="00000600000000000000" pitchFamily="2" charset="-127"/>
-                <a:cs typeface="KoPubWorld돋움체 Medium" panose="00000600000000000000" pitchFamily="2" charset="-127"/>
-              </a:endParaRPr>
-            </a:p>
-          </p:txBody>
-        </p:sp>
-      </p:grpSp>
-      <p:sp>
-        <p:nvSpPr>
-          <p:cNvPr id="82" name="제목 1">
-            <a:extLst>
-              <a:ext uri="{FF2B5EF4-FFF2-40B4-BE49-F238E27FC236}">
-                <a16:creationId xmlns:a16="http://schemas.microsoft.com/office/drawing/2014/main" id="{3FFD92E7-A98B-47B8-BF08-DEE5218300F3}"/>
-              </a:ext>
-            </a:extLst>
-          </p:cNvPr>
-          <p:cNvSpPr txBox="1">
-            <a:spLocks/>
-          </p:cNvSpPr>
-          <p:nvPr/>
-        </p:nvSpPr>
-        <p:spPr>
-          <a:xfrm>
-            <a:off x="2557464" y="5378906"/>
-            <a:ext cx="3087446" cy="977215"/>
-          </a:xfrm>
-          <a:prstGeom prst="rect">
-            <a:avLst/>
-          </a:prstGeom>
-          <a:solidFill>
-            <a:schemeClr val="accent4">
-              <a:lumMod val="60000"/>
-              <a:lumOff val="40000"/>
-              <a:alpha val="52000"/>
-            </a:schemeClr>
-          </a:solidFill>
-          <a:ln>
-            <a:noFill/>
-          </a:ln>
-        </p:spPr>
-        <p:txBody>
-          <a:bodyPr vert="horz" lIns="91440" tIns="45720" rIns="91440" bIns="45720" rtlCol="0" anchor="ctr">
-            <a:normAutofit/>
-          </a:bodyPr>
-          <a:lstStyle>
-            <a:lvl1pPr algn="l" defTabSz="914400" rtl="0" eaLnBrk="1" latinLnBrk="1" hangingPunct="1">
-              <a:lnSpc>
-                <a:spcPct val="90000"/>
-              </a:lnSpc>
-              <a:spcBef>
-                <a:spcPct val="0"/>
-              </a:spcBef>
-              <a:buNone/>
-              <a:defRPr sz="4400" kern="1200">
-                <a:solidFill>
-                  <a:schemeClr val="tx1"/>
-                </a:solidFill>
-                <a:latin typeface="+mj-lt"/>
-                <a:ea typeface="+mj-ea"/>
-                <a:cs typeface="+mj-cs"/>
-              </a:defRPr>
-            </a:lvl1pPr>
-          </a:lstStyle>
-          <a:p>
-            <a:pPr algn="ctr"/>
-            <a:endParaRPr lang="en-US" altLang="ko-KR" sz="1400" b="1" dirty="0">
-              <a:latin typeface="KoPubWorld돋움체 Medium" panose="00000600000000000000" pitchFamily="2" charset="-127"/>
-              <a:ea typeface="KoPubWorld돋움체 Medium" panose="00000600000000000000" pitchFamily="2" charset="-127"/>
-              <a:cs typeface="KoPubWorld돋움체 Medium" panose="00000600000000000000" pitchFamily="2" charset="-127"/>
-            </a:endParaRPr>
-          </a:p>
-        </p:txBody>
-      </p:sp>
-      <p:sp>
-        <p:nvSpPr>
-          <p:cNvPr id="83" name="Google Shape;59;p13">
-            <a:extLst>
-              <a:ext uri="{FF2B5EF4-FFF2-40B4-BE49-F238E27FC236}">
-                <a16:creationId xmlns:a16="http://schemas.microsoft.com/office/drawing/2014/main" id="{69E495BF-D7F0-48B7-A44B-156F0DEDE2C8}"/>
-              </a:ext>
-            </a:extLst>
-          </p:cNvPr>
-          <p:cNvSpPr txBox="1"/>
-          <p:nvPr/>
-        </p:nvSpPr>
-        <p:spPr>
-          <a:xfrm>
-            <a:off x="2695360" y="5533105"/>
-            <a:ext cx="2731118" cy="891033"/>
-          </a:xfrm>
-          <a:prstGeom prst="rect">
-            <a:avLst/>
-          </a:prstGeom>
-          <a:noFill/>
-          <a:ln>
-            <a:noFill/>
-          </a:ln>
-        </p:spPr>
-        <p:txBody>
-          <a:bodyPr spcFirstLastPara="1" wrap="square" lIns="121900" tIns="121900" rIns="121900" bIns="121900" anchor="t" anchorCtr="0">
-            <a:noAutofit/>
-          </a:bodyPr>
-          <a:lstStyle/>
-          <a:p>
-            <a:pPr algn="ctr"/>
-            <a:endParaRPr sz="1700" dirty="0">
-              <a:solidFill>
-                <a:srgbClr val="C00000"/>
-              </a:solidFill>
-              <a:latin typeface="KoPubWorld돋움체 Bold" panose="00000800000000000000" pitchFamily="2" charset="-127"/>
-              <a:ea typeface="KoPubWorld돋움체 Bold" panose="00000800000000000000" pitchFamily="2" charset="-127"/>
-              <a:cs typeface="KoPubWorld돋움체 Bold" panose="00000800000000000000" pitchFamily="2" charset="-127"/>
-            </a:endParaRPr>
-          </a:p>
-        </p:txBody>
-      </p:sp>
-      <p:sp>
-        <p:nvSpPr>
-          <p:cNvPr id="84" name="순서도: 대체 처리 83">
-            <a:extLst>
-              <a:ext uri="{FF2B5EF4-FFF2-40B4-BE49-F238E27FC236}">
-                <a16:creationId xmlns:a16="http://schemas.microsoft.com/office/drawing/2014/main" id="{5029E1D1-D255-40C0-8FB0-CBD116C364FD}"/>
-              </a:ext>
-            </a:extLst>
-          </p:cNvPr>
-          <p:cNvSpPr/>
-          <p:nvPr/>
-        </p:nvSpPr>
-        <p:spPr>
-          <a:xfrm>
-            <a:off x="3345101" y="5232331"/>
-            <a:ext cx="1431636" cy="259358"/>
-          </a:xfrm>
-          <a:prstGeom prst="flowChartAlternateProcess">
-            <a:avLst/>
-          </a:prstGeom>
-          <a:solidFill>
-            <a:schemeClr val="accent4">
-              <a:lumMod val="60000"/>
-              <a:lumOff val="40000"/>
-            </a:schemeClr>
-          </a:solidFill>
-          <a:ln>
-            <a:noFill/>
-          </a:ln>
-        </p:spPr>
-        <p:style>
-          <a:lnRef idx="2">
-            <a:schemeClr val="accent1">
-              <a:shade val="50000"/>
-            </a:schemeClr>
-          </a:lnRef>
-          <a:fillRef idx="1">
-            <a:schemeClr val="accent1"/>
-          </a:fillRef>
-          <a:effectRef idx="0">
-            <a:schemeClr val="accent1"/>
-          </a:effectRef>
-          <a:fontRef idx="minor">
-            <a:schemeClr val="lt1"/>
-          </a:fontRef>
-        </p:style>
-        <p:txBody>
-          <a:bodyPr rtlCol="0" anchor="ctr"/>
-          <a:lstStyle/>
-          <a:p>
-            <a:pPr algn="ctr"/>
-            <a:endParaRPr lang="ko-KR" altLang="en-US"/>
-          </a:p>
-        </p:txBody>
-      </p:sp>
-      <p:sp>
-        <p:nvSpPr>
-          <p:cNvPr id="85" name="Google Shape;59;p13">
-            <a:extLst>
-              <a:ext uri="{FF2B5EF4-FFF2-40B4-BE49-F238E27FC236}">
-                <a16:creationId xmlns:a16="http://schemas.microsoft.com/office/drawing/2014/main" id="{8F8C5101-1CFF-4FB1-980C-FEB48AF5253B}"/>
-              </a:ext>
-            </a:extLst>
-          </p:cNvPr>
-          <p:cNvSpPr txBox="1"/>
-          <p:nvPr/>
-        </p:nvSpPr>
-        <p:spPr>
-          <a:xfrm>
-            <a:off x="3598780" y="5137054"/>
-            <a:ext cx="903651" cy="333249"/>
-          </a:xfrm>
-          <a:prstGeom prst="rect">
-            <a:avLst/>
-          </a:prstGeom>
-          <a:noFill/>
-          <a:ln>
-            <a:noFill/>
-          </a:ln>
-        </p:spPr>
-        <p:txBody>
-          <a:bodyPr spcFirstLastPara="1" wrap="square" lIns="121900" tIns="121900" rIns="121900" bIns="121900" anchor="t" anchorCtr="0">
-            <a:noAutofit/>
-          </a:bodyPr>
-          <a:lstStyle/>
-          <a:p>
-            <a:pPr algn="ctr"/>
-            <a:r>
-              <a:rPr lang="en-US" altLang="ko" sz="1400" dirty="0">
-                <a:latin typeface="KoPubWorld돋움체 Medium" panose="00000600000000000000" pitchFamily="2" charset="-127"/>
-                <a:ea typeface="KoPubWorld돋움체 Medium" panose="00000600000000000000" pitchFamily="2" charset="-127"/>
-                <a:cs typeface="KoPubWorld돋움체 Medium" panose="00000600000000000000" pitchFamily="2" charset="-127"/>
-              </a:rPr>
-              <a:t>problem</a:t>
-            </a:r>
-            <a:endParaRPr sz="1400" dirty="0">
-              <a:latin typeface="KoPubWorld돋움체 Medium" panose="00000600000000000000" pitchFamily="2" charset="-127"/>
-              <a:ea typeface="KoPubWorld돋움체 Medium" panose="00000600000000000000" pitchFamily="2" charset="-127"/>
-              <a:cs typeface="KoPubWorld돋움체 Medium" panose="00000600000000000000" pitchFamily="2" charset="-127"/>
-            </a:endParaRPr>
-          </a:p>
-        </p:txBody>
-      </p:sp>
-      <p:sp>
-        <p:nvSpPr>
-          <p:cNvPr id="25" name="사각형: 둥근 모서리 24">
-            <a:extLst>
-              <a:ext uri="{FF2B5EF4-FFF2-40B4-BE49-F238E27FC236}">
-                <a16:creationId xmlns:a16="http://schemas.microsoft.com/office/drawing/2014/main" id="{92C97034-254E-46EE-8D90-3CBBE88FA846}"/>
-              </a:ext>
-            </a:extLst>
-          </p:cNvPr>
-          <p:cNvSpPr/>
-          <p:nvPr/>
-        </p:nvSpPr>
-        <p:spPr>
-          <a:xfrm>
-            <a:off x="2283921" y="1160213"/>
-            <a:ext cx="7642525" cy="400112"/>
+            <a:off x="2211141" y="1078807"/>
+            <a:ext cx="7765000" cy="400112"/>
           </a:xfrm>
           <a:prstGeom prst="roundRect">
             <a:avLst>
@@ -4664,124 +3943,64 @@
           </a:p>
         </p:txBody>
       </p:sp>
-      <p:pic>
-        <p:nvPicPr>
-          <p:cNvPr id="2" name="그림 1">
-            <a:extLst>
-              <a:ext uri="{FF2B5EF4-FFF2-40B4-BE49-F238E27FC236}">
-                <a16:creationId xmlns:a16="http://schemas.microsoft.com/office/drawing/2014/main" id="{561DA531-1487-4CE6-B54A-344EFE33CCAA}"/>
-              </a:ext>
-            </a:extLst>
-          </p:cNvPr>
-          <p:cNvPicPr>
-            <a:picLocks noChangeAspect="1"/>
-          </p:cNvPicPr>
+      <p:sp>
+        <p:nvSpPr>
+          <p:cNvPr id="41" name="직사각형 40">
+            <a:extLst>
+              <a:ext uri="{FF2B5EF4-FFF2-40B4-BE49-F238E27FC236}">
+                <a16:creationId xmlns:a16="http://schemas.microsoft.com/office/drawing/2014/main" id="{EDDE37D4-9B4A-469D-BE11-E6DC685DA40E}"/>
+              </a:ext>
+            </a:extLst>
+          </p:cNvPr>
+          <p:cNvSpPr/>
           <p:nvPr/>
-        </p:nvPicPr>
-        <p:blipFill rotWithShape="1">
-          <a:blip r:embed="rId2"/>
-          <a:srcRect l="8893" t="7053" r="12253" b="7110"/>
-          <a:stretch/>
-        </p:blipFill>
+        </p:nvSpPr>
         <p:spPr>
           <a:xfrm>
-            <a:off x="2564121" y="2930755"/>
-            <a:ext cx="3062618" cy="2184914"/>
-          </a:xfrm>
-          <a:prstGeom prst="rect">
-            <a:avLst/>
-          </a:prstGeom>
-        </p:spPr>
-      </p:pic>
-      <p:sp>
-        <p:nvSpPr>
-          <p:cNvPr id="24" name="Google Shape;59;p13">
-            <a:extLst>
-              <a:ext uri="{FF2B5EF4-FFF2-40B4-BE49-F238E27FC236}">
-                <a16:creationId xmlns:a16="http://schemas.microsoft.com/office/drawing/2014/main" id="{F3B5C415-1A95-44BA-BF35-28ED4B4C0A7C}"/>
-              </a:ext>
-            </a:extLst>
-          </p:cNvPr>
-          <p:cNvSpPr txBox="1"/>
-          <p:nvPr/>
-        </p:nvSpPr>
-        <p:spPr>
-          <a:xfrm>
-            <a:off x="2897960" y="5491688"/>
-            <a:ext cx="2364063" cy="560400"/>
+            <a:off x="6362838" y="2130930"/>
+            <a:ext cx="3613303" cy="4429078"/>
           </a:xfrm>
           <a:prstGeom prst="rect">
             <a:avLst/>
           </a:prstGeom>
           <a:noFill/>
           <a:ln>
-            <a:noFill/>
+            <a:solidFill>
+              <a:srgbClr val="014099"/>
+            </a:solidFill>
           </a:ln>
         </p:spPr>
-        <p:txBody>
-          <a:bodyPr spcFirstLastPara="1" wrap="square" lIns="121900" tIns="121900" rIns="121900" bIns="121900" anchor="t" anchorCtr="0">
-            <a:noAutofit/>
-          </a:bodyPr>
-          <a:lstStyle/>
-          <a:p>
-            <a:pPr algn="ctr">
-              <a:lnSpc>
-                <a:spcPct val="150000"/>
-              </a:lnSpc>
-            </a:pPr>
-            <a:r>
-              <a:rPr lang="ko-KR" altLang="en-US" sz="1400" dirty="0">
-                <a:solidFill>
-                  <a:srgbClr val="C00000"/>
-                </a:solidFill>
-                <a:latin typeface="KoPubWorld돋움체 Bold" panose="00000800000000000000" pitchFamily="2" charset="-127"/>
-                <a:ea typeface="KoPubWorld돋움체 Bold" panose="00000800000000000000" pitchFamily="2" charset="-127"/>
-                <a:cs typeface="KoPubWorld돋움체 Bold" panose="00000800000000000000" pitchFamily="2" charset="-127"/>
-              </a:rPr>
-              <a:t>폭력 상황</a:t>
-            </a:r>
-            <a:r>
-              <a:rPr lang="ko-KR" altLang="en-US" sz="1400" dirty="0">
-                <a:latin typeface="KoPubWorld돋움체 Medium" panose="00000600000000000000" pitchFamily="2" charset="-127"/>
-                <a:ea typeface="KoPubWorld돋움체 Medium" panose="00000600000000000000" pitchFamily="2" charset="-127"/>
-                <a:cs typeface="KoPubWorld돋움체 Medium" panose="00000600000000000000" pitchFamily="2" charset="-127"/>
-              </a:rPr>
-              <a:t>에 </a:t>
-            </a:r>
-            <a:endParaRPr lang="en-US" altLang="ko-KR" sz="1400" dirty="0">
-              <a:latin typeface="KoPubWorld돋움체 Medium" panose="00000600000000000000" pitchFamily="2" charset="-127"/>
-              <a:ea typeface="KoPubWorld돋움체 Medium" panose="00000600000000000000" pitchFamily="2" charset="-127"/>
-              <a:cs typeface="KoPubWorld돋움체 Medium" panose="00000600000000000000" pitchFamily="2" charset="-127"/>
-            </a:endParaRPr>
-          </a:p>
-          <a:p>
-            <a:pPr algn="ctr">
-              <a:lnSpc>
-                <a:spcPct val="150000"/>
-              </a:lnSpc>
-            </a:pPr>
-            <a:r>
-              <a:rPr lang="ko-KR" altLang="en-US" sz="1400" dirty="0">
-                <a:latin typeface="KoPubWorld돋움체 Medium" panose="00000600000000000000" pitchFamily="2" charset="-127"/>
-                <a:ea typeface="KoPubWorld돋움체 Medium" panose="00000600000000000000" pitchFamily="2" charset="-127"/>
-                <a:cs typeface="KoPubWorld돋움체 Medium" panose="00000600000000000000" pitchFamily="2" charset="-127"/>
-              </a:rPr>
-              <a:t>최적화되어 있는 모델</a:t>
-            </a:r>
-            <a:endParaRPr sz="1400" dirty="0">
-              <a:latin typeface="KoPubWorld돋움체 Medium" panose="00000600000000000000" pitchFamily="2" charset="-127"/>
-              <a:ea typeface="KoPubWorld돋움체 Medium" panose="00000600000000000000" pitchFamily="2" charset="-127"/>
-              <a:cs typeface="KoPubWorld돋움체 Medium" panose="00000600000000000000" pitchFamily="2" charset="-127"/>
-            </a:endParaRPr>
-          </a:p>
-        </p:txBody>
-      </p:sp>
-      <p:sp>
-        <p:nvSpPr>
-          <p:cNvPr id="27" name="더하기 기호 26">
-            <a:extLst>
-              <a:ext uri="{FF2B5EF4-FFF2-40B4-BE49-F238E27FC236}">
-                <a16:creationId xmlns:a16="http://schemas.microsoft.com/office/drawing/2014/main" id="{80947F53-1EC8-4890-A3B4-25E953548BBA}"/>
+        <p:style>
+          <a:lnRef idx="2">
+            <a:schemeClr val="accent1">
+              <a:shade val="50000"/>
+            </a:schemeClr>
+          </a:lnRef>
+          <a:fillRef idx="1">
+            <a:schemeClr val="accent1"/>
+          </a:fillRef>
+          <a:effectRef idx="0">
+            <a:schemeClr val="accent1"/>
+          </a:effectRef>
+          <a:fontRef idx="minor">
+            <a:schemeClr val="lt1"/>
+          </a:fontRef>
+        </p:style>
+        <p:txBody>
+          <a:bodyPr rtlCol="0" anchor="ctr"/>
+          <a:lstStyle/>
+          <a:p>
+            <a:pPr algn="ctr"/>
+            <a:endParaRPr lang="ko-KR" altLang="en-US"/>
+          </a:p>
+        </p:txBody>
+      </p:sp>
+      <p:sp>
+        <p:nvSpPr>
+          <p:cNvPr id="64" name="직사각형 63">
+            <a:extLst>
+              <a:ext uri="{FF2B5EF4-FFF2-40B4-BE49-F238E27FC236}">
+                <a16:creationId xmlns:a16="http://schemas.microsoft.com/office/drawing/2014/main" id="{76BFF6CF-1578-4E8A-BE91-86CF8B1C2E97}"/>
               </a:ext>
             </a:extLst>
           </p:cNvPr>
@@ -4790,21 +4009,19 @@
         </p:nvSpPr>
         <p:spPr>
           <a:xfrm>
-            <a:off x="5753723" y="3695826"/>
-            <a:ext cx="702919" cy="702919"/>
+            <a:off x="6646924" y="2222626"/>
+            <a:ext cx="3093493" cy="398460"/>
           </a:xfrm>
-          <a:prstGeom prst="mathPlus">
-            <a:avLst>
-              <a:gd name="adj1" fmla="val 18729"/>
-            </a:avLst>
+          <a:prstGeom prst="rect">
+            <a:avLst/>
           </a:prstGeom>
           <a:solidFill>
-            <a:schemeClr val="accent1">
-              <a:lumMod val="60000"/>
-              <a:lumOff val="40000"/>
+            <a:schemeClr val="accent5">
+              <a:lumMod val="20000"/>
+              <a:lumOff val="80000"/>
             </a:schemeClr>
           </a:solidFill>
-          <a:ln w="28575">
+          <a:ln>
             <a:noFill/>
           </a:ln>
         </p:spPr>
@@ -4829,16 +4046,20 @@
           <a:lstStyle/>
           <a:p>
             <a:pPr algn="ctr"/>
-            <a:endParaRPr lang="ko-KR" altLang="en-US" dirty="0"/>
-          </a:p>
-        </p:txBody>
-      </p:sp>
-      <p:sp>
-        <p:nvSpPr>
-          <p:cNvPr id="29" name="제목 1">
-            <a:extLst>
-              <a:ext uri="{FF2B5EF4-FFF2-40B4-BE49-F238E27FC236}">
-                <a16:creationId xmlns:a16="http://schemas.microsoft.com/office/drawing/2014/main" id="{BE0FEAF8-A67C-445A-A303-11061100F743}"/>
+            <a:endParaRPr lang="ko-KR" altLang="en-US" sz="1600" dirty="0">
+              <a:latin typeface="KoPubWorld돋움체 Medium" panose="00000600000000000000" pitchFamily="2" charset="-127"/>
+              <a:ea typeface="KoPubWorld돋움체 Medium" panose="00000600000000000000" pitchFamily="2" charset="-127"/>
+              <a:cs typeface="KoPubWorld돋움체 Medium" panose="00000600000000000000" pitchFamily="2" charset="-127"/>
+            </a:endParaRPr>
+          </a:p>
+        </p:txBody>
+      </p:sp>
+      <p:sp>
+        <p:nvSpPr>
+          <p:cNvPr id="72" name="제목 1">
+            <a:extLst>
+              <a:ext uri="{FF2B5EF4-FFF2-40B4-BE49-F238E27FC236}">
+                <a16:creationId xmlns:a16="http://schemas.microsoft.com/office/drawing/2014/main" id="{B271F213-CF0C-42A6-AD4F-C9C4B858F8A4}"/>
               </a:ext>
             </a:extLst>
           </p:cNvPr>
@@ -4849,8 +4070,1000 @@
         </p:nvSpPr>
         <p:spPr>
           <a:xfrm>
-            <a:off x="2283921" y="1686826"/>
-            <a:ext cx="7642525" cy="356469"/>
+            <a:off x="6623311" y="5390665"/>
+            <a:ext cx="3087446" cy="977169"/>
+          </a:xfrm>
+          <a:prstGeom prst="rect">
+            <a:avLst/>
+          </a:prstGeom>
+          <a:solidFill>
+            <a:schemeClr val="accent6">
+              <a:lumMod val="40000"/>
+              <a:lumOff val="60000"/>
+              <a:alpha val="52000"/>
+            </a:schemeClr>
+          </a:solidFill>
+          <a:ln>
+            <a:noFill/>
+          </a:ln>
+        </p:spPr>
+        <p:txBody>
+          <a:bodyPr vert="horz" lIns="91440" tIns="45720" rIns="91440" bIns="45720" rtlCol="0" anchor="ctr">
+            <a:normAutofit/>
+          </a:bodyPr>
+          <a:lstStyle>
+            <a:lvl1pPr algn="l" defTabSz="914400" rtl="0" eaLnBrk="1" latinLnBrk="1" hangingPunct="1">
+              <a:lnSpc>
+                <a:spcPct val="90000"/>
+              </a:lnSpc>
+              <a:spcBef>
+                <a:spcPct val="0"/>
+              </a:spcBef>
+              <a:buNone/>
+              <a:defRPr sz="4400" kern="1200">
+                <a:solidFill>
+                  <a:schemeClr val="tx1"/>
+                </a:solidFill>
+                <a:latin typeface="+mj-lt"/>
+                <a:ea typeface="+mj-ea"/>
+                <a:cs typeface="+mj-cs"/>
+              </a:defRPr>
+            </a:lvl1pPr>
+          </a:lstStyle>
+          <a:p>
+            <a:pPr algn="ctr"/>
+            <a:endParaRPr lang="en-US" altLang="ko-KR" sz="1400" b="1" dirty="0">
+              <a:latin typeface="KoPubWorld돋움체 Medium" panose="00000600000000000000" pitchFamily="2" charset="-127"/>
+              <a:ea typeface="KoPubWorld돋움체 Medium" panose="00000600000000000000" pitchFamily="2" charset="-127"/>
+              <a:cs typeface="KoPubWorld돋움체 Medium" panose="00000600000000000000" pitchFamily="2" charset="-127"/>
+            </a:endParaRPr>
+          </a:p>
+        </p:txBody>
+      </p:sp>
+      <p:sp>
+        <p:nvSpPr>
+          <p:cNvPr id="73" name="Google Shape;59;p13">
+            <a:extLst>
+              <a:ext uri="{FF2B5EF4-FFF2-40B4-BE49-F238E27FC236}">
+                <a16:creationId xmlns:a16="http://schemas.microsoft.com/office/drawing/2014/main" id="{7A3025DB-5E14-47D8-96C9-48E41B4718BF}"/>
+              </a:ext>
+            </a:extLst>
+          </p:cNvPr>
+          <p:cNvSpPr txBox="1"/>
+          <p:nvPr/>
+        </p:nvSpPr>
+        <p:spPr>
+          <a:xfrm>
+            <a:off x="6741897" y="5536943"/>
+            <a:ext cx="2850274" cy="560400"/>
+          </a:xfrm>
+          <a:prstGeom prst="rect">
+            <a:avLst/>
+          </a:prstGeom>
+          <a:noFill/>
+          <a:ln>
+            <a:noFill/>
+          </a:ln>
+        </p:spPr>
+        <p:txBody>
+          <a:bodyPr spcFirstLastPara="1" wrap="square" lIns="121900" tIns="121900" rIns="121900" bIns="121900" anchor="t" anchorCtr="0">
+            <a:noAutofit/>
+          </a:bodyPr>
+          <a:lstStyle/>
+          <a:p>
+            <a:pPr algn="ctr"/>
+            <a:r>
+              <a:rPr lang="ko-KR" altLang="en-US" sz="1600" dirty="0">
+                <a:solidFill>
+                  <a:srgbClr val="C00000"/>
+                </a:solidFill>
+                <a:latin typeface="KoPubWorld돋움체 Bold" panose="00000800000000000000" pitchFamily="2" charset="-127"/>
+                <a:ea typeface="KoPubWorld돋움체 Bold" panose="00000800000000000000" pitchFamily="2" charset="-127"/>
+                <a:cs typeface="KoPubWorld돋움체 Bold" panose="00000800000000000000" pitchFamily="2" charset="-127"/>
+              </a:rPr>
+              <a:t>상반신을 대상</a:t>
+            </a:r>
+            <a:r>
+              <a:rPr lang="ko-KR" altLang="en-US" sz="1600" dirty="0">
+                <a:latin typeface="KoPubWorld돋움체 Medium" panose="00000600000000000000" pitchFamily="2" charset="-127"/>
+                <a:ea typeface="KoPubWorld돋움체 Medium" panose="00000600000000000000" pitchFamily="2" charset="-127"/>
+                <a:cs typeface="KoPubWorld돋움체 Medium" panose="00000600000000000000" pitchFamily="2" charset="-127"/>
+              </a:rPr>
+              <a:t>으로</a:t>
+            </a:r>
+            <a:r>
+              <a:rPr lang="ko-KR" altLang="en-US" sz="1600" dirty="0">
+                <a:solidFill>
+                  <a:srgbClr val="C00000"/>
+                </a:solidFill>
+                <a:latin typeface="KoPubWorld돋움체 Medium" panose="00000600000000000000" pitchFamily="2" charset="-127"/>
+                <a:ea typeface="KoPubWorld돋움체 Medium" panose="00000600000000000000" pitchFamily="2" charset="-127"/>
+                <a:cs typeface="KoPubWorld돋움체 Medium" panose="00000600000000000000" pitchFamily="2" charset="-127"/>
+              </a:rPr>
+              <a:t> </a:t>
+            </a:r>
+            <a:r>
+              <a:rPr lang="ko-KR" altLang="en-US" sz="1600" dirty="0">
+                <a:latin typeface="KoPubWorld돋움체 Medium" panose="00000600000000000000" pitchFamily="2" charset="-127"/>
+                <a:ea typeface="KoPubWorld돋움체 Medium" panose="00000600000000000000" pitchFamily="2" charset="-127"/>
+                <a:cs typeface="KoPubWorld돋움체 Medium" panose="00000600000000000000" pitchFamily="2" charset="-127"/>
+              </a:rPr>
+              <a:t>한</a:t>
+            </a:r>
+            <a:r>
+              <a:rPr lang="ko-KR" altLang="en-US" sz="1600" dirty="0">
+                <a:solidFill>
+                  <a:srgbClr val="C00000"/>
+                </a:solidFill>
+                <a:latin typeface="KoPubWorld돋움체 Medium" panose="00000600000000000000" pitchFamily="2" charset="-127"/>
+                <a:ea typeface="KoPubWorld돋움체 Medium" panose="00000600000000000000" pitchFamily="2" charset="-127"/>
+                <a:cs typeface="KoPubWorld돋움체 Medium" panose="00000600000000000000" pitchFamily="2" charset="-127"/>
+              </a:rPr>
+              <a:t> </a:t>
+            </a:r>
+            <a:r>
+              <a:rPr lang="ko-KR" altLang="en-US" sz="1600" dirty="0">
+                <a:latin typeface="KoPubWorld돋움체 Medium" panose="00000600000000000000" pitchFamily="2" charset="-127"/>
+                <a:ea typeface="KoPubWorld돋움체 Medium" panose="00000600000000000000" pitchFamily="2" charset="-127"/>
+                <a:cs typeface="KoPubWorld돋움체 Medium" panose="00000600000000000000" pitchFamily="2" charset="-127"/>
+              </a:rPr>
+              <a:t>모델 </a:t>
+            </a:r>
+            <a:endParaRPr lang="en-US" altLang="ko-KR" sz="1600" dirty="0">
+              <a:latin typeface="KoPubWorld돋움체 Medium" panose="00000600000000000000" pitchFamily="2" charset="-127"/>
+              <a:ea typeface="KoPubWorld돋움체 Medium" panose="00000600000000000000" pitchFamily="2" charset="-127"/>
+              <a:cs typeface="KoPubWorld돋움체 Medium" panose="00000600000000000000" pitchFamily="2" charset="-127"/>
+            </a:endParaRPr>
+          </a:p>
+        </p:txBody>
+      </p:sp>
+      <p:sp>
+        <p:nvSpPr>
+          <p:cNvPr id="74" name="순서도: 대체 처리 73">
+            <a:extLst>
+              <a:ext uri="{FF2B5EF4-FFF2-40B4-BE49-F238E27FC236}">
+                <a16:creationId xmlns:a16="http://schemas.microsoft.com/office/drawing/2014/main" id="{D6F51FAF-492A-4FBB-9C4D-F1A1170C83DA}"/>
+              </a:ext>
+            </a:extLst>
+          </p:cNvPr>
+          <p:cNvSpPr/>
+          <p:nvPr/>
+        </p:nvSpPr>
+        <p:spPr>
+          <a:xfrm>
+            <a:off x="7480254" y="5246210"/>
+            <a:ext cx="1431636" cy="259358"/>
+          </a:xfrm>
+          <a:prstGeom prst="flowChartAlternateProcess">
+            <a:avLst/>
+          </a:prstGeom>
+          <a:solidFill>
+            <a:schemeClr val="accent6">
+              <a:lumMod val="60000"/>
+              <a:lumOff val="40000"/>
+            </a:schemeClr>
+          </a:solidFill>
+          <a:ln>
+            <a:noFill/>
+          </a:ln>
+        </p:spPr>
+        <p:style>
+          <a:lnRef idx="2">
+            <a:schemeClr val="accent1">
+              <a:shade val="50000"/>
+            </a:schemeClr>
+          </a:lnRef>
+          <a:fillRef idx="1">
+            <a:schemeClr val="accent1"/>
+          </a:fillRef>
+          <a:effectRef idx="0">
+            <a:schemeClr val="accent1"/>
+          </a:effectRef>
+          <a:fontRef idx="minor">
+            <a:schemeClr val="lt1"/>
+          </a:fontRef>
+        </p:style>
+        <p:txBody>
+          <a:bodyPr rtlCol="0" anchor="ctr"/>
+          <a:lstStyle/>
+          <a:p>
+            <a:pPr algn="ctr"/>
+            <a:endParaRPr lang="ko-KR" altLang="en-US"/>
+          </a:p>
+        </p:txBody>
+      </p:sp>
+      <p:sp>
+        <p:nvSpPr>
+          <p:cNvPr id="75" name="Google Shape;59;p13">
+            <a:extLst>
+              <a:ext uri="{FF2B5EF4-FFF2-40B4-BE49-F238E27FC236}">
+                <a16:creationId xmlns:a16="http://schemas.microsoft.com/office/drawing/2014/main" id="{4F1820C9-5A56-4A65-96EA-9D9D223092A7}"/>
+              </a:ext>
+            </a:extLst>
+          </p:cNvPr>
+          <p:cNvSpPr txBox="1"/>
+          <p:nvPr/>
+        </p:nvSpPr>
+        <p:spPr>
+          <a:xfrm>
+            <a:off x="7614215" y="5155848"/>
+            <a:ext cx="1163713" cy="333249"/>
+          </a:xfrm>
+          <a:prstGeom prst="rect">
+            <a:avLst/>
+          </a:prstGeom>
+          <a:noFill/>
+          <a:ln>
+            <a:noFill/>
+          </a:ln>
+        </p:spPr>
+        <p:txBody>
+          <a:bodyPr spcFirstLastPara="1" wrap="square" lIns="121900" tIns="121900" rIns="121900" bIns="121900" anchor="t" anchorCtr="0">
+            <a:noAutofit/>
+          </a:bodyPr>
+          <a:lstStyle/>
+          <a:p>
+            <a:pPr algn="ctr"/>
+            <a:r>
+              <a:rPr lang="en-US" sz="1400" dirty="0">
+                <a:latin typeface="KoPubWorld돋움체 Medium" panose="00000600000000000000" pitchFamily="2" charset="-127"/>
+                <a:ea typeface="KoPubWorld돋움체 Medium" panose="00000600000000000000" pitchFamily="2" charset="-127"/>
+                <a:cs typeface="KoPubWorld돋움체 Medium" panose="00000600000000000000" pitchFamily="2" charset="-127"/>
+              </a:rPr>
+              <a:t>solution</a:t>
+            </a:r>
+            <a:endParaRPr sz="1400" dirty="0">
+              <a:latin typeface="KoPubWorld돋움체 Medium" panose="00000600000000000000" pitchFamily="2" charset="-127"/>
+              <a:ea typeface="KoPubWorld돋움체 Medium" panose="00000600000000000000" pitchFamily="2" charset="-127"/>
+              <a:cs typeface="KoPubWorld돋움체 Medium" panose="00000600000000000000" pitchFamily="2" charset="-127"/>
+            </a:endParaRPr>
+          </a:p>
+        </p:txBody>
+      </p:sp>
+      <p:sp>
+        <p:nvSpPr>
+          <p:cNvPr id="51" name="직사각형 50">
+            <a:extLst>
+              <a:ext uri="{FF2B5EF4-FFF2-40B4-BE49-F238E27FC236}">
+                <a16:creationId xmlns:a16="http://schemas.microsoft.com/office/drawing/2014/main" id="{BF92CC11-6E2E-4078-872C-F835442D94DE}"/>
+              </a:ext>
+            </a:extLst>
+          </p:cNvPr>
+          <p:cNvSpPr/>
+          <p:nvPr/>
+        </p:nvSpPr>
+        <p:spPr>
+          <a:xfrm>
+            <a:off x="2211141" y="2118906"/>
+            <a:ext cx="3613303" cy="4429078"/>
+          </a:xfrm>
+          <a:prstGeom prst="rect">
+            <a:avLst/>
+          </a:prstGeom>
+          <a:noFill/>
+          <a:ln>
+            <a:solidFill>
+              <a:srgbClr val="014099"/>
+            </a:solidFill>
+          </a:ln>
+        </p:spPr>
+        <p:style>
+          <a:lnRef idx="2">
+            <a:schemeClr val="accent1">
+              <a:shade val="50000"/>
+            </a:schemeClr>
+          </a:lnRef>
+          <a:fillRef idx="1">
+            <a:schemeClr val="accent1"/>
+          </a:fillRef>
+          <a:effectRef idx="0">
+            <a:schemeClr val="accent1"/>
+          </a:effectRef>
+          <a:fontRef idx="minor">
+            <a:schemeClr val="lt1"/>
+          </a:fontRef>
+        </p:style>
+        <p:txBody>
+          <a:bodyPr rtlCol="0" anchor="ctr"/>
+          <a:lstStyle/>
+          <a:p>
+            <a:pPr algn="ctr"/>
+            <a:endParaRPr lang="ko-KR" altLang="en-US"/>
+          </a:p>
+        </p:txBody>
+      </p:sp>
+      <p:sp>
+        <p:nvSpPr>
+          <p:cNvPr id="52" name="직사각형 51">
+            <a:extLst>
+              <a:ext uri="{FF2B5EF4-FFF2-40B4-BE49-F238E27FC236}">
+                <a16:creationId xmlns:a16="http://schemas.microsoft.com/office/drawing/2014/main" id="{09EF18F0-36F7-419A-B0BB-5058117CB9D3}"/>
+              </a:ext>
+            </a:extLst>
+          </p:cNvPr>
+          <p:cNvSpPr/>
+          <p:nvPr/>
+        </p:nvSpPr>
+        <p:spPr>
+          <a:xfrm>
+            <a:off x="2501412" y="2222625"/>
+            <a:ext cx="3093493" cy="398461"/>
+          </a:xfrm>
+          <a:prstGeom prst="rect">
+            <a:avLst/>
+          </a:prstGeom>
+          <a:solidFill>
+            <a:schemeClr val="accent5">
+              <a:lumMod val="20000"/>
+              <a:lumOff val="80000"/>
+            </a:schemeClr>
+          </a:solidFill>
+          <a:ln>
+            <a:noFill/>
+          </a:ln>
+        </p:spPr>
+        <p:style>
+          <a:lnRef idx="2">
+            <a:schemeClr val="accent1">
+              <a:shade val="50000"/>
+            </a:schemeClr>
+          </a:lnRef>
+          <a:fillRef idx="1">
+            <a:schemeClr val="accent1"/>
+          </a:fillRef>
+          <a:effectRef idx="0">
+            <a:schemeClr val="accent1"/>
+          </a:effectRef>
+          <a:fontRef idx="minor">
+            <a:schemeClr val="lt1"/>
+          </a:fontRef>
+        </p:style>
+        <p:txBody>
+          <a:bodyPr rtlCol="0" anchor="ctr"/>
+          <a:lstStyle/>
+          <a:p>
+            <a:pPr algn="ctr"/>
+            <a:endParaRPr lang="ko-KR" altLang="en-US" sz="1600" dirty="0">
+              <a:latin typeface="KoPubWorld돋움체 Medium" panose="00000600000000000000" pitchFamily="2" charset="-127"/>
+              <a:ea typeface="KoPubWorld돋움체 Medium" panose="00000600000000000000" pitchFamily="2" charset="-127"/>
+              <a:cs typeface="KoPubWorld돋움체 Medium" panose="00000600000000000000" pitchFamily="2" charset="-127"/>
+            </a:endParaRPr>
+          </a:p>
+        </p:txBody>
+      </p:sp>
+      <p:sp>
+        <p:nvSpPr>
+          <p:cNvPr id="82" name="제목 1">
+            <a:extLst>
+              <a:ext uri="{FF2B5EF4-FFF2-40B4-BE49-F238E27FC236}">
+                <a16:creationId xmlns:a16="http://schemas.microsoft.com/office/drawing/2014/main" id="{3FFD92E7-A98B-47B8-BF08-DEE5218300F3}"/>
+              </a:ext>
+            </a:extLst>
+          </p:cNvPr>
+          <p:cNvSpPr txBox="1">
+            <a:spLocks/>
+          </p:cNvSpPr>
+          <p:nvPr/>
+        </p:nvSpPr>
+        <p:spPr>
+          <a:xfrm>
+            <a:off x="2484684" y="5366883"/>
+            <a:ext cx="3087446" cy="977215"/>
+          </a:xfrm>
+          <a:prstGeom prst="rect">
+            <a:avLst/>
+          </a:prstGeom>
+          <a:solidFill>
+            <a:schemeClr val="accent4">
+              <a:lumMod val="60000"/>
+              <a:lumOff val="40000"/>
+              <a:alpha val="52000"/>
+            </a:schemeClr>
+          </a:solidFill>
+          <a:ln>
+            <a:noFill/>
+          </a:ln>
+        </p:spPr>
+        <p:txBody>
+          <a:bodyPr vert="horz" lIns="91440" tIns="45720" rIns="91440" bIns="45720" rtlCol="0" anchor="ctr">
+            <a:normAutofit/>
+          </a:bodyPr>
+          <a:lstStyle>
+            <a:lvl1pPr algn="l" defTabSz="914400" rtl="0" eaLnBrk="1" latinLnBrk="1" hangingPunct="1">
+              <a:lnSpc>
+                <a:spcPct val="90000"/>
+              </a:lnSpc>
+              <a:spcBef>
+                <a:spcPct val="0"/>
+              </a:spcBef>
+              <a:buNone/>
+              <a:defRPr sz="4400" kern="1200">
+                <a:solidFill>
+                  <a:schemeClr val="tx1"/>
+                </a:solidFill>
+                <a:latin typeface="+mj-lt"/>
+                <a:ea typeface="+mj-ea"/>
+                <a:cs typeface="+mj-cs"/>
+              </a:defRPr>
+            </a:lvl1pPr>
+          </a:lstStyle>
+          <a:p>
+            <a:pPr algn="ctr"/>
+            <a:endParaRPr lang="en-US" altLang="ko-KR" sz="1400" b="1" dirty="0">
+              <a:latin typeface="KoPubWorld돋움체 Medium" panose="00000600000000000000" pitchFamily="2" charset="-127"/>
+              <a:ea typeface="KoPubWorld돋움체 Medium" panose="00000600000000000000" pitchFamily="2" charset="-127"/>
+              <a:cs typeface="KoPubWorld돋움체 Medium" panose="00000600000000000000" pitchFamily="2" charset="-127"/>
+            </a:endParaRPr>
+          </a:p>
+        </p:txBody>
+      </p:sp>
+      <p:sp>
+        <p:nvSpPr>
+          <p:cNvPr id="83" name="Google Shape;59;p13">
+            <a:extLst>
+              <a:ext uri="{FF2B5EF4-FFF2-40B4-BE49-F238E27FC236}">
+                <a16:creationId xmlns:a16="http://schemas.microsoft.com/office/drawing/2014/main" id="{69E495BF-D7F0-48B7-A44B-156F0DEDE2C8}"/>
+              </a:ext>
+            </a:extLst>
+          </p:cNvPr>
+          <p:cNvSpPr txBox="1"/>
+          <p:nvPr/>
+        </p:nvSpPr>
+        <p:spPr>
+          <a:xfrm>
+            <a:off x="2622580" y="5521082"/>
+            <a:ext cx="2731118" cy="891033"/>
+          </a:xfrm>
+          <a:prstGeom prst="rect">
+            <a:avLst/>
+          </a:prstGeom>
+          <a:noFill/>
+          <a:ln>
+            <a:noFill/>
+          </a:ln>
+        </p:spPr>
+        <p:txBody>
+          <a:bodyPr spcFirstLastPara="1" wrap="square" lIns="121900" tIns="121900" rIns="121900" bIns="121900" anchor="t" anchorCtr="0">
+            <a:noAutofit/>
+          </a:bodyPr>
+          <a:lstStyle/>
+          <a:p>
+            <a:pPr algn="ctr"/>
+            <a:endParaRPr sz="1700" dirty="0">
+              <a:solidFill>
+                <a:srgbClr val="C00000"/>
+              </a:solidFill>
+              <a:latin typeface="KoPubWorld돋움체 Bold" panose="00000800000000000000" pitchFamily="2" charset="-127"/>
+              <a:ea typeface="KoPubWorld돋움체 Bold" panose="00000800000000000000" pitchFamily="2" charset="-127"/>
+              <a:cs typeface="KoPubWorld돋움체 Bold" panose="00000800000000000000" pitchFamily="2" charset="-127"/>
+            </a:endParaRPr>
+          </a:p>
+        </p:txBody>
+      </p:sp>
+      <p:sp>
+        <p:nvSpPr>
+          <p:cNvPr id="84" name="순서도: 대체 처리 83">
+            <a:extLst>
+              <a:ext uri="{FF2B5EF4-FFF2-40B4-BE49-F238E27FC236}">
+                <a16:creationId xmlns:a16="http://schemas.microsoft.com/office/drawing/2014/main" id="{5029E1D1-D255-40C0-8FB0-CBD116C364FD}"/>
+              </a:ext>
+            </a:extLst>
+          </p:cNvPr>
+          <p:cNvSpPr/>
+          <p:nvPr/>
+        </p:nvSpPr>
+        <p:spPr>
+          <a:xfrm>
+            <a:off x="3272321" y="5220308"/>
+            <a:ext cx="1431636" cy="259358"/>
+          </a:xfrm>
+          <a:prstGeom prst="flowChartAlternateProcess">
+            <a:avLst/>
+          </a:prstGeom>
+          <a:solidFill>
+            <a:schemeClr val="accent4">
+              <a:lumMod val="60000"/>
+              <a:lumOff val="40000"/>
+            </a:schemeClr>
+          </a:solidFill>
+          <a:ln>
+            <a:noFill/>
+          </a:ln>
+        </p:spPr>
+        <p:style>
+          <a:lnRef idx="2">
+            <a:schemeClr val="accent1">
+              <a:shade val="50000"/>
+            </a:schemeClr>
+          </a:lnRef>
+          <a:fillRef idx="1">
+            <a:schemeClr val="accent1"/>
+          </a:fillRef>
+          <a:effectRef idx="0">
+            <a:schemeClr val="accent1"/>
+          </a:effectRef>
+          <a:fontRef idx="minor">
+            <a:schemeClr val="lt1"/>
+          </a:fontRef>
+        </p:style>
+        <p:txBody>
+          <a:bodyPr rtlCol="0" anchor="ctr"/>
+          <a:lstStyle/>
+          <a:p>
+            <a:pPr algn="ctr"/>
+            <a:endParaRPr lang="ko-KR" altLang="en-US"/>
+          </a:p>
+        </p:txBody>
+      </p:sp>
+      <p:sp>
+        <p:nvSpPr>
+          <p:cNvPr id="85" name="Google Shape;59;p13">
+            <a:extLst>
+              <a:ext uri="{FF2B5EF4-FFF2-40B4-BE49-F238E27FC236}">
+                <a16:creationId xmlns:a16="http://schemas.microsoft.com/office/drawing/2014/main" id="{8F8C5101-1CFF-4FB1-980C-FEB48AF5253B}"/>
+              </a:ext>
+            </a:extLst>
+          </p:cNvPr>
+          <p:cNvSpPr txBox="1"/>
+          <p:nvPr/>
+        </p:nvSpPr>
+        <p:spPr>
+          <a:xfrm>
+            <a:off x="3526000" y="5125031"/>
+            <a:ext cx="903651" cy="333249"/>
+          </a:xfrm>
+          <a:prstGeom prst="rect">
+            <a:avLst/>
+          </a:prstGeom>
+          <a:noFill/>
+          <a:ln>
+            <a:noFill/>
+          </a:ln>
+        </p:spPr>
+        <p:txBody>
+          <a:bodyPr spcFirstLastPara="1" wrap="square" lIns="121900" tIns="121900" rIns="121900" bIns="121900" anchor="t" anchorCtr="0">
+            <a:noAutofit/>
+          </a:bodyPr>
+          <a:lstStyle/>
+          <a:p>
+            <a:pPr algn="ctr"/>
+            <a:r>
+              <a:rPr lang="en-US" altLang="ko" sz="1400" dirty="0">
+                <a:latin typeface="KoPubWorld돋움체 Medium" panose="00000600000000000000" pitchFamily="2" charset="-127"/>
+                <a:ea typeface="KoPubWorld돋움체 Medium" panose="00000600000000000000" pitchFamily="2" charset="-127"/>
+                <a:cs typeface="KoPubWorld돋움체 Medium" panose="00000600000000000000" pitchFamily="2" charset="-127"/>
+              </a:rPr>
+              <a:t>problem</a:t>
+            </a:r>
+            <a:endParaRPr sz="1400" dirty="0">
+              <a:latin typeface="KoPubWorld돋움체 Medium" panose="00000600000000000000" pitchFamily="2" charset="-127"/>
+              <a:ea typeface="KoPubWorld돋움체 Medium" panose="00000600000000000000" pitchFamily="2" charset="-127"/>
+              <a:cs typeface="KoPubWorld돋움체 Medium" panose="00000600000000000000" pitchFamily="2" charset="-127"/>
+            </a:endParaRPr>
+          </a:p>
+        </p:txBody>
+      </p:sp>
+      <p:sp>
+        <p:nvSpPr>
+          <p:cNvPr id="24" name="Google Shape;59;p13">
+            <a:extLst>
+              <a:ext uri="{FF2B5EF4-FFF2-40B4-BE49-F238E27FC236}">
+                <a16:creationId xmlns:a16="http://schemas.microsoft.com/office/drawing/2014/main" id="{F3B5C415-1A95-44BA-BF35-28ED4B4C0A7C}"/>
+              </a:ext>
+            </a:extLst>
+          </p:cNvPr>
+          <p:cNvSpPr txBox="1"/>
+          <p:nvPr/>
+        </p:nvSpPr>
+        <p:spPr>
+          <a:xfrm>
+            <a:off x="2673867" y="5441477"/>
+            <a:ext cx="2662479" cy="560400"/>
+          </a:xfrm>
+          <a:prstGeom prst="rect">
+            <a:avLst/>
+          </a:prstGeom>
+          <a:noFill/>
+          <a:ln>
+            <a:noFill/>
+          </a:ln>
+        </p:spPr>
+        <p:txBody>
+          <a:bodyPr spcFirstLastPara="1" wrap="square" lIns="121900" tIns="121900" rIns="121900" bIns="121900" anchor="t" anchorCtr="0">
+            <a:noAutofit/>
+          </a:bodyPr>
+          <a:lstStyle/>
+          <a:p>
+            <a:pPr algn="ctr">
+              <a:lnSpc>
+                <a:spcPct val="150000"/>
+              </a:lnSpc>
+            </a:pPr>
+            <a:r>
+              <a:rPr lang="ko-KR" altLang="en-US" sz="1600" b="1" dirty="0">
+                <a:solidFill>
+                  <a:srgbClr val="C00000"/>
+                </a:solidFill>
+                <a:latin typeface="KoPubWorld돋움체 Bold" panose="00000800000000000000" pitchFamily="2" charset="-127"/>
+                <a:ea typeface="KoPubWorld돋움체 Bold" panose="00000800000000000000" pitchFamily="2" charset="-127"/>
+                <a:cs typeface="KoPubWorld돋움체 Bold" panose="00000800000000000000" pitchFamily="2" charset="-127"/>
+              </a:rPr>
+              <a:t>전신을 대상</a:t>
+            </a:r>
+            <a:r>
+              <a:rPr lang="ko-KR" altLang="en-US" sz="1600" dirty="0">
+                <a:latin typeface="KoPubWorld돋움체 Medium" panose="00000600000000000000" pitchFamily="2" charset="-127"/>
+                <a:ea typeface="KoPubWorld돋움체 Medium" panose="00000600000000000000" pitchFamily="2" charset="-127"/>
+                <a:cs typeface="KoPubWorld돋움체 Medium" panose="00000600000000000000" pitchFamily="2" charset="-127"/>
+              </a:rPr>
+              <a:t>으로</a:t>
+            </a:r>
+            <a:r>
+              <a:rPr lang="ko-KR" altLang="en-US" sz="1600" b="1" dirty="0">
+                <a:latin typeface="KoPubWorld돋움체 Bold" panose="00000800000000000000" pitchFamily="2" charset="-127"/>
+                <a:ea typeface="KoPubWorld돋움체 Bold" panose="00000800000000000000" pitchFamily="2" charset="-127"/>
+                <a:cs typeface="KoPubWorld돋움체 Bold" panose="00000800000000000000" pitchFamily="2" charset="-127"/>
+              </a:rPr>
+              <a:t> </a:t>
+            </a:r>
+            <a:r>
+              <a:rPr lang="ko-KR" altLang="en-US" sz="1600" dirty="0">
+                <a:latin typeface="KoPubWorld돋움체 Medium" panose="00000600000000000000" pitchFamily="2" charset="-127"/>
+                <a:ea typeface="KoPubWorld돋움체 Medium" panose="00000600000000000000" pitchFamily="2" charset="-127"/>
+                <a:cs typeface="KoPubWorld돋움체 Medium" panose="00000600000000000000" pitchFamily="2" charset="-127"/>
+              </a:rPr>
+              <a:t>한 모델</a:t>
+            </a:r>
+            <a:endParaRPr lang="en-US" altLang="ko-KR" sz="1600" dirty="0">
+              <a:latin typeface="KoPubWorld돋움체 Medium" panose="00000600000000000000" pitchFamily="2" charset="-127"/>
+              <a:ea typeface="KoPubWorld돋움체 Medium" panose="00000600000000000000" pitchFamily="2" charset="-127"/>
+              <a:cs typeface="KoPubWorld돋움체 Medium" panose="00000600000000000000" pitchFamily="2" charset="-127"/>
+            </a:endParaRPr>
+          </a:p>
+        </p:txBody>
+      </p:sp>
+      <p:sp>
+        <p:nvSpPr>
+          <p:cNvPr id="39" name="TextBox 38">
+            <a:extLst>
+              <a:ext uri="{FF2B5EF4-FFF2-40B4-BE49-F238E27FC236}">
+                <a16:creationId xmlns:a16="http://schemas.microsoft.com/office/drawing/2014/main" id="{4EBBDD28-E75B-45D5-A098-E30DA261734D}"/>
+              </a:ext>
+            </a:extLst>
+          </p:cNvPr>
+          <p:cNvSpPr txBox="1"/>
+          <p:nvPr/>
+        </p:nvSpPr>
+        <p:spPr>
+          <a:xfrm>
+            <a:off x="2399554" y="2201583"/>
+            <a:ext cx="3250824" cy="430887"/>
+          </a:xfrm>
+          <a:prstGeom prst="rect">
+            <a:avLst/>
+          </a:prstGeom>
+          <a:noFill/>
+        </p:spPr>
+        <p:txBody>
+          <a:bodyPr wrap="square" rtlCol="0">
+            <a:spAutoFit/>
+          </a:bodyPr>
+          <a:lstStyle/>
+          <a:p>
+            <a:pPr algn="ctr">
+              <a:lnSpc>
+                <a:spcPct val="150000"/>
+              </a:lnSpc>
+            </a:pPr>
+            <a:r>
+              <a:rPr lang="en-US" altLang="ko-KR" sz="1600" dirty="0">
+                <a:solidFill>
+                  <a:schemeClr val="bg2">
+                    <a:lumMod val="25000"/>
+                  </a:schemeClr>
+                </a:solidFill>
+                <a:latin typeface="KoPubWorld돋움체 Medium" panose="00000600000000000000" pitchFamily="2" charset="-127"/>
+                <a:ea typeface="KoPubWorld돋움체 Medium" panose="00000600000000000000" pitchFamily="2" charset="-127"/>
+                <a:cs typeface="KoPubWorld돋움체 Medium" panose="00000600000000000000" pitchFamily="2" charset="-127"/>
+              </a:rPr>
+              <a:t> Full Body-tracking</a:t>
+            </a:r>
+            <a:endParaRPr lang="en-US" altLang="ko-KR" sz="1600" dirty="0">
+              <a:latin typeface="KoPubWorld돋움체 Medium" panose="00000600000000000000" pitchFamily="2" charset="-127"/>
+              <a:ea typeface="KoPubWorld돋움체 Medium" panose="00000600000000000000" pitchFamily="2" charset="-127"/>
+              <a:cs typeface="KoPubWorld돋움체 Medium" panose="00000600000000000000" pitchFamily="2" charset="-127"/>
+            </a:endParaRPr>
+          </a:p>
+        </p:txBody>
+      </p:sp>
+      <p:sp>
+        <p:nvSpPr>
+          <p:cNvPr id="3" name="직사각형 2">
+            <a:extLst>
+              <a:ext uri="{FF2B5EF4-FFF2-40B4-BE49-F238E27FC236}">
+                <a16:creationId xmlns:a16="http://schemas.microsoft.com/office/drawing/2014/main" id="{9463B624-ED6B-47DE-B7C4-1F9F186A4D7D}"/>
+              </a:ext>
+            </a:extLst>
+          </p:cNvPr>
+          <p:cNvSpPr/>
+          <p:nvPr/>
+        </p:nvSpPr>
+        <p:spPr>
+          <a:xfrm>
+            <a:off x="6883361" y="5953989"/>
+            <a:ext cx="2521844" cy="276999"/>
+          </a:xfrm>
+          <a:prstGeom prst="rect">
+            <a:avLst/>
+          </a:prstGeom>
+        </p:spPr>
+        <p:txBody>
+          <a:bodyPr wrap="none">
+            <a:spAutoFit/>
+          </a:bodyPr>
+          <a:lstStyle/>
+          <a:p>
+            <a:r>
+              <a:rPr lang="ko-KR" altLang="en-US" sz="1200" dirty="0">
+                <a:latin typeface="KoPubWorld돋움체 Medium" panose="00000600000000000000" pitchFamily="2" charset="-127"/>
+                <a:ea typeface="KoPubWorld돋움체 Medium" panose="00000600000000000000" pitchFamily="2" charset="-127"/>
+                <a:cs typeface="KoPubWorld돋움체 Medium" panose="00000600000000000000" pitchFamily="2" charset="-127"/>
+              </a:rPr>
+              <a:t>→ 상반신만을 대상으로 정확하게 인식</a:t>
+            </a:r>
+          </a:p>
+        </p:txBody>
+      </p:sp>
+      <p:sp>
+        <p:nvSpPr>
+          <p:cNvPr id="28" name="TextBox 27">
+            <a:extLst>
+              <a:ext uri="{FF2B5EF4-FFF2-40B4-BE49-F238E27FC236}">
+                <a16:creationId xmlns:a16="http://schemas.microsoft.com/office/drawing/2014/main" id="{7FA4A02C-9B99-42C7-824F-DDC00F228678}"/>
+              </a:ext>
+            </a:extLst>
+          </p:cNvPr>
+          <p:cNvSpPr txBox="1"/>
+          <p:nvPr/>
+        </p:nvSpPr>
+        <p:spPr>
+          <a:xfrm>
+            <a:off x="6541622" y="2194661"/>
+            <a:ext cx="3250824" cy="430887"/>
+          </a:xfrm>
+          <a:prstGeom prst="rect">
+            <a:avLst/>
+          </a:prstGeom>
+          <a:noFill/>
+        </p:spPr>
+        <p:txBody>
+          <a:bodyPr wrap="square" rtlCol="0">
+            <a:spAutoFit/>
+          </a:bodyPr>
+          <a:lstStyle/>
+          <a:p>
+            <a:pPr algn="ctr">
+              <a:lnSpc>
+                <a:spcPct val="150000"/>
+              </a:lnSpc>
+            </a:pPr>
+            <a:r>
+              <a:rPr lang="en-US" altLang="ko-KR" sz="1600" dirty="0">
+                <a:solidFill>
+                  <a:schemeClr val="bg2">
+                    <a:lumMod val="25000"/>
+                  </a:schemeClr>
+                </a:solidFill>
+                <a:latin typeface="KoPubWorld돋움체 Medium" panose="00000600000000000000" pitchFamily="2" charset="-127"/>
+                <a:ea typeface="KoPubWorld돋움체 Medium" panose="00000600000000000000" pitchFamily="2" charset="-127"/>
+                <a:cs typeface="KoPubWorld돋움체 Medium" panose="00000600000000000000" pitchFamily="2" charset="-127"/>
+              </a:rPr>
+              <a:t> Upper Body-tracking</a:t>
+            </a:r>
+            <a:endParaRPr lang="en-US" altLang="ko-KR" sz="1600" dirty="0">
+              <a:latin typeface="KoPubWorld돋움체 Medium" panose="00000600000000000000" pitchFamily="2" charset="-127"/>
+              <a:ea typeface="KoPubWorld돋움체 Medium" panose="00000600000000000000" pitchFamily="2" charset="-127"/>
+              <a:cs typeface="KoPubWorld돋움체 Medium" panose="00000600000000000000" pitchFamily="2" charset="-127"/>
+            </a:endParaRPr>
+          </a:p>
+        </p:txBody>
+      </p:sp>
+      <p:pic>
+        <p:nvPicPr>
+          <p:cNvPr id="5" name="그림 4">
+            <a:extLst>
+              <a:ext uri="{FF2B5EF4-FFF2-40B4-BE49-F238E27FC236}">
+                <a16:creationId xmlns:a16="http://schemas.microsoft.com/office/drawing/2014/main" id="{2EEEC4CA-1106-4E03-A4C4-9DCB192A4326}"/>
+              </a:ext>
+            </a:extLst>
+          </p:cNvPr>
+          <p:cNvPicPr>
+            <a:picLocks noChangeAspect="1"/>
+          </p:cNvPicPr>
+          <p:nvPr/>
+        </p:nvPicPr>
+        <p:blipFill>
+          <a:blip r:embed="rId2"/>
+          <a:stretch>
+            <a:fillRect/>
+          </a:stretch>
+        </p:blipFill>
+        <p:spPr>
+          <a:xfrm>
+            <a:off x="2491740" y="2717200"/>
+            <a:ext cx="3080390" cy="2379281"/>
+          </a:xfrm>
+          <a:prstGeom prst="rect">
+            <a:avLst/>
+          </a:prstGeom>
+        </p:spPr>
+      </p:pic>
+      <p:pic>
+        <p:nvPicPr>
+          <p:cNvPr id="6" name="그림 5">
+            <a:extLst>
+              <a:ext uri="{FF2B5EF4-FFF2-40B4-BE49-F238E27FC236}">
+                <a16:creationId xmlns:a16="http://schemas.microsoft.com/office/drawing/2014/main" id="{D01BE969-91BA-4FD7-8641-AC7CAA64FD5F}"/>
+              </a:ext>
+            </a:extLst>
+          </p:cNvPr>
+          <p:cNvPicPr>
+            <a:picLocks noChangeAspect="1"/>
+          </p:cNvPicPr>
+          <p:nvPr/>
+        </p:nvPicPr>
+        <p:blipFill rotWithShape="1">
+          <a:blip r:embed="rId3"/>
+          <a:srcRect l="3770" t="21918" r="32045" b="21360"/>
+          <a:stretch/>
+        </p:blipFill>
+        <p:spPr>
+          <a:xfrm>
+            <a:off x="6652971" y="2742823"/>
+            <a:ext cx="3087446" cy="2353659"/>
+          </a:xfrm>
+          <a:prstGeom prst="rect">
+            <a:avLst/>
+          </a:prstGeom>
+        </p:spPr>
+      </p:pic>
+      <p:sp>
+        <p:nvSpPr>
+          <p:cNvPr id="31" name="화살표: 오른쪽 30">
+            <a:extLst>
+              <a:ext uri="{FF2B5EF4-FFF2-40B4-BE49-F238E27FC236}">
+                <a16:creationId xmlns:a16="http://schemas.microsoft.com/office/drawing/2014/main" id="{D284B05F-FA3B-42E5-B551-A057B6B4275B}"/>
+              </a:ext>
+            </a:extLst>
+          </p:cNvPr>
+          <p:cNvSpPr/>
+          <p:nvPr/>
+        </p:nvSpPr>
+        <p:spPr>
+          <a:xfrm>
+            <a:off x="5661731" y="3780169"/>
+            <a:ext cx="905692" cy="501156"/>
+          </a:xfrm>
+          <a:prstGeom prst="rightArrow">
+            <a:avLst>
+              <a:gd name="adj1" fmla="val 63355"/>
+              <a:gd name="adj2" fmla="val 50000"/>
+            </a:avLst>
+          </a:prstGeom>
+          <a:solidFill>
+            <a:schemeClr val="accent1">
+              <a:lumMod val="40000"/>
+              <a:lumOff val="60000"/>
+            </a:schemeClr>
+          </a:solidFill>
+          <a:ln w="19050">
+            <a:noFill/>
+          </a:ln>
+        </p:spPr>
+        <p:style>
+          <a:lnRef idx="2">
+            <a:schemeClr val="accent1">
+              <a:shade val="50000"/>
+            </a:schemeClr>
+          </a:lnRef>
+          <a:fillRef idx="1">
+            <a:schemeClr val="accent1"/>
+          </a:fillRef>
+          <a:effectRef idx="0">
+            <a:schemeClr val="accent1"/>
+          </a:effectRef>
+          <a:fontRef idx="minor">
+            <a:schemeClr val="lt1"/>
+          </a:fontRef>
+        </p:style>
+        <p:txBody>
+          <a:bodyPr rtlCol="0" anchor="ctr"/>
+          <a:lstStyle/>
+          <a:p>
+            <a:pPr algn="ctr"/>
+            <a:r>
+              <a:rPr lang="en-US" altLang="ko-KR" sz="1200" b="1" dirty="0">
+                <a:solidFill>
+                  <a:schemeClr val="tx1"/>
+                </a:solidFill>
+                <a:latin typeface="KoPubWorld돋움체 Medium" panose="00000600000000000000" pitchFamily="2" charset="-127"/>
+                <a:ea typeface="KoPubWorld돋움체 Medium" panose="00000600000000000000" pitchFamily="2" charset="-127"/>
+                <a:cs typeface="KoPubWorld돋움체 Medium" panose="00000600000000000000" pitchFamily="2" charset="-127"/>
+              </a:rPr>
+              <a:t>Develop</a:t>
+            </a:r>
+          </a:p>
+        </p:txBody>
+      </p:sp>
+      <p:sp>
+        <p:nvSpPr>
+          <p:cNvPr id="9" name="직사각형 8">
+            <a:extLst>
+              <a:ext uri="{FF2B5EF4-FFF2-40B4-BE49-F238E27FC236}">
+                <a16:creationId xmlns:a16="http://schemas.microsoft.com/office/drawing/2014/main" id="{6B50567C-491A-4492-9F5D-FA379C0D2DBE}"/>
+              </a:ext>
+            </a:extLst>
+          </p:cNvPr>
+          <p:cNvSpPr/>
+          <p:nvPr/>
+        </p:nvSpPr>
+        <p:spPr>
+          <a:xfrm>
+            <a:off x="2814502" y="5886971"/>
+            <a:ext cx="2387192" cy="346249"/>
+          </a:xfrm>
+          <a:prstGeom prst="rect">
+            <a:avLst/>
+          </a:prstGeom>
+        </p:spPr>
+        <p:txBody>
+          <a:bodyPr wrap="none">
+            <a:spAutoFit/>
+          </a:bodyPr>
+          <a:lstStyle/>
+          <a:p>
+            <a:pPr algn="ctr">
+              <a:lnSpc>
+                <a:spcPct val="150000"/>
+              </a:lnSpc>
+            </a:pPr>
+            <a:r>
+              <a:rPr lang="ko-KR" altLang="en-US" sz="1200" b="1" dirty="0">
+                <a:latin typeface="KoPubWorld돋움체 Bold" panose="00000800000000000000" pitchFamily="2" charset="-127"/>
+                <a:ea typeface="KoPubWorld돋움체 Bold" panose="00000800000000000000" pitchFamily="2" charset="-127"/>
+                <a:cs typeface="KoPubWorld돋움체 Bold" panose="00000800000000000000" pitchFamily="2" charset="-127"/>
+              </a:rPr>
+              <a:t>→ </a:t>
+            </a:r>
+            <a:r>
+              <a:rPr lang="ko-KR" altLang="en-US" sz="1200" dirty="0">
+                <a:latin typeface="KoPubWorld돋움체 Medium" panose="00000600000000000000" pitchFamily="2" charset="-127"/>
+                <a:ea typeface="KoPubWorld돋움체 Medium" panose="00000600000000000000" pitchFamily="2" charset="-127"/>
+                <a:cs typeface="KoPubWorld돋움체 Medium" panose="00000600000000000000" pitchFamily="2" charset="-127"/>
+              </a:rPr>
+              <a:t>상반신만을 대상 부정확하게 인식</a:t>
+            </a:r>
+          </a:p>
+        </p:txBody>
+      </p:sp>
+      <p:sp>
+        <p:nvSpPr>
+          <p:cNvPr id="37" name="제목 1">
+            <a:extLst>
+              <a:ext uri="{FF2B5EF4-FFF2-40B4-BE49-F238E27FC236}">
+                <a16:creationId xmlns:a16="http://schemas.microsoft.com/office/drawing/2014/main" id="{21C79414-22C5-4D8C-B831-8F89205F1926}"/>
+              </a:ext>
+            </a:extLst>
+          </p:cNvPr>
+          <p:cNvSpPr txBox="1">
+            <a:spLocks/>
+          </p:cNvSpPr>
+          <p:nvPr/>
+        </p:nvSpPr>
+        <p:spPr>
+          <a:xfrm>
+            <a:off x="2211141" y="1576984"/>
+            <a:ext cx="7765000" cy="420713"/>
           </a:xfrm>
           <a:prstGeom prst="rect">
             <a:avLst/>
@@ -4891,198 +5104,52 @@
           <a:p>
             <a:pPr algn="ctr"/>
             <a:r>
-              <a:rPr lang="ko-KR" altLang="en-US" sz="1600" dirty="0">
+              <a:rPr lang="ko-KR" altLang="en-US" sz="1400" dirty="0">
                 <a:latin typeface="KoPubWorld돋움체 Medium" panose="00000600000000000000" pitchFamily="2" charset="-127"/>
                 <a:ea typeface="KoPubWorld돋움체 Medium" panose="00000600000000000000" pitchFamily="2" charset="-127"/>
                 <a:cs typeface="KoPubWorld돋움체 Medium" panose="00000600000000000000" pitchFamily="2" charset="-127"/>
               </a:rPr>
-              <a:t>주 사용 모델의 문제점 및 기회 발견</a:t>
-            </a:r>
-          </a:p>
-        </p:txBody>
-      </p:sp>
-      <p:pic>
-        <p:nvPicPr>
-          <p:cNvPr id="30" name="그림 29">
-            <a:extLst>
-              <a:ext uri="{FF2B5EF4-FFF2-40B4-BE49-F238E27FC236}">
-                <a16:creationId xmlns:a16="http://schemas.microsoft.com/office/drawing/2014/main" id="{77AD4B78-AC6B-4755-984F-B951FADF317A}"/>
-              </a:ext>
-            </a:extLst>
-          </p:cNvPr>
-          <p:cNvPicPr>
-            <a:picLocks noChangeAspect="1"/>
-          </p:cNvPicPr>
-          <p:nvPr/>
-        </p:nvPicPr>
-        <p:blipFill rotWithShape="1">
-          <a:blip r:embed="rId3"/>
-          <a:srcRect t="22413" r="23166" b="21888"/>
-          <a:stretch/>
-        </p:blipFill>
-        <p:spPr>
-          <a:xfrm>
-            <a:off x="6603276" y="2918020"/>
-            <a:ext cx="3057786" cy="2184914"/>
-          </a:xfrm>
-          <a:prstGeom prst="rect">
-            <a:avLst/>
-          </a:prstGeom>
-        </p:spPr>
-      </p:pic>
-      <p:sp>
-        <p:nvSpPr>
-          <p:cNvPr id="39" name="TextBox 38">
-            <a:extLst>
-              <a:ext uri="{FF2B5EF4-FFF2-40B4-BE49-F238E27FC236}">
-                <a16:creationId xmlns:a16="http://schemas.microsoft.com/office/drawing/2014/main" id="{4EBBDD28-E75B-45D5-A098-E30DA261734D}"/>
-              </a:ext>
-            </a:extLst>
-          </p:cNvPr>
-          <p:cNvSpPr txBox="1"/>
-          <p:nvPr/>
-        </p:nvSpPr>
-        <p:spPr>
-          <a:xfrm>
-            <a:off x="2506297" y="2295982"/>
-            <a:ext cx="3250824" cy="430887"/>
-          </a:xfrm>
-          <a:prstGeom prst="rect">
-            <a:avLst/>
-          </a:prstGeom>
-          <a:noFill/>
-        </p:spPr>
-        <p:txBody>
-          <a:bodyPr wrap="square" rtlCol="0">
-            <a:spAutoFit/>
-          </a:bodyPr>
-          <a:lstStyle/>
-          <a:p>
-            <a:pPr algn="ctr">
-              <a:lnSpc>
-                <a:spcPct val="150000"/>
-              </a:lnSpc>
-            </a:pPr>
-            <a:r>
-              <a:rPr lang="en-US" altLang="ko-KR" sz="1600" dirty="0">
-                <a:latin typeface="KoPubWorld돋움체 Medium" panose="00000600000000000000" pitchFamily="2" charset="-127"/>
-                <a:ea typeface="KoPubWorld돋움체 Medium" panose="00000600000000000000" pitchFamily="2" charset="-127"/>
-                <a:cs typeface="KoPubWorld돋움체 Medium" panose="00000600000000000000" pitchFamily="2" charset="-127"/>
-              </a:rPr>
-              <a:t>Abnormal Motion Detection</a:t>
-            </a:r>
-          </a:p>
-        </p:txBody>
-      </p:sp>
-      <p:sp>
-        <p:nvSpPr>
-          <p:cNvPr id="42" name="TextBox 41">
-            <a:extLst>
-              <a:ext uri="{FF2B5EF4-FFF2-40B4-BE49-F238E27FC236}">
-                <a16:creationId xmlns:a16="http://schemas.microsoft.com/office/drawing/2014/main" id="{5FC22FA8-023A-45BB-9EB0-3C93BFC2B425}"/>
-              </a:ext>
-            </a:extLst>
-          </p:cNvPr>
-          <p:cNvSpPr txBox="1"/>
-          <p:nvPr/>
-        </p:nvSpPr>
-        <p:spPr>
-          <a:xfrm>
-            <a:off x="6491926" y="2326008"/>
-            <a:ext cx="3250824" cy="430887"/>
-          </a:xfrm>
-          <a:prstGeom prst="rect">
-            <a:avLst/>
-          </a:prstGeom>
-          <a:noFill/>
-        </p:spPr>
-        <p:txBody>
-          <a:bodyPr wrap="square" rtlCol="0">
-            <a:spAutoFit/>
-          </a:bodyPr>
-          <a:lstStyle/>
-          <a:p>
-            <a:pPr algn="ctr">
-              <a:lnSpc>
-                <a:spcPct val="150000"/>
-              </a:lnSpc>
-            </a:pPr>
-            <a:r>
-              <a:rPr lang="en-US" altLang="ko-KR" sz="1600" b="1" dirty="0">
+              <a:t>기존 </a:t>
+            </a:r>
+            <a:r>
+              <a:rPr lang="en-US" altLang="ko-KR" sz="1400" dirty="0">
                 <a:solidFill>
                   <a:schemeClr val="bg2">
                     <a:lumMod val="25000"/>
                   </a:schemeClr>
                 </a:solidFill>
-                <a:latin typeface="KoPubWorld돋움체 Bold" panose="00000800000000000000" pitchFamily="2" charset="-127"/>
-                <a:ea typeface="KoPubWorld돋움체 Bold" panose="00000800000000000000" pitchFamily="2" charset="-127"/>
-                <a:cs typeface="KoPubWorld돋움체 Bold" panose="00000800000000000000" pitchFamily="2" charset="-127"/>
+                <a:latin typeface="KoPubWorld돋움체 Medium" panose="00000600000000000000" pitchFamily="2" charset="-127"/>
+                <a:ea typeface="KoPubWorld돋움체 Medium" panose="00000600000000000000" pitchFamily="2" charset="-127"/>
+                <a:cs typeface="KoPubWorld돋움체 Medium" panose="00000600000000000000" pitchFamily="2" charset="-127"/>
               </a:rPr>
-              <a:t>Body-tracking</a:t>
-            </a:r>
-            <a:endParaRPr lang="en-US" altLang="ko-KR" sz="1600" dirty="0">
-              <a:latin typeface="KoPubWorld돋움체 Medium" panose="00000600000000000000" pitchFamily="2" charset="-127"/>
-              <a:ea typeface="KoPubWorld돋움체 Medium" panose="00000600000000000000" pitchFamily="2" charset="-127"/>
-              <a:cs typeface="KoPubWorld돋움체 Medium" panose="00000600000000000000" pitchFamily="2" charset="-127"/>
-            </a:endParaRPr>
-          </a:p>
-        </p:txBody>
-      </p:sp>
-      <p:sp>
-        <p:nvSpPr>
-          <p:cNvPr id="3" name="직사각형 2">
-            <a:extLst>
-              <a:ext uri="{FF2B5EF4-FFF2-40B4-BE49-F238E27FC236}">
-                <a16:creationId xmlns:a16="http://schemas.microsoft.com/office/drawing/2014/main" id="{9463B624-ED6B-47DE-B7C4-1F9F186A4D7D}"/>
-              </a:ext>
-            </a:extLst>
-          </p:cNvPr>
-          <p:cNvSpPr/>
-          <p:nvPr/>
-        </p:nvSpPr>
-        <p:spPr>
-          <a:xfrm>
-            <a:off x="7055990" y="5938806"/>
-            <a:ext cx="2122697" cy="307777"/>
-          </a:xfrm>
-          <a:prstGeom prst="rect">
-            <a:avLst/>
-          </a:prstGeom>
-        </p:spPr>
-        <p:txBody>
-          <a:bodyPr wrap="none">
-            <a:spAutoFit/>
-          </a:bodyPr>
-          <a:lstStyle/>
-          <a:p>
+              <a:t>Body-tracking </a:t>
+            </a:r>
+            <a:r>
+              <a:rPr lang="ko-KR" altLang="en-US" sz="1400" dirty="0">
+                <a:solidFill>
+                  <a:schemeClr val="bg2">
+                    <a:lumMod val="25000"/>
+                  </a:schemeClr>
+                </a:solidFill>
+                <a:latin typeface="KoPubWorld돋움체 Medium" panose="00000600000000000000" pitchFamily="2" charset="-127"/>
+                <a:ea typeface="KoPubWorld돋움체 Medium" panose="00000600000000000000" pitchFamily="2" charset="-127"/>
+                <a:cs typeface="KoPubWorld돋움체 Medium" panose="00000600000000000000" pitchFamily="2" charset="-127"/>
+              </a:rPr>
+              <a:t>모델</a:t>
+            </a:r>
             <a:r>
               <a:rPr lang="ko-KR" altLang="en-US" sz="1400" dirty="0">
                 <a:latin typeface="KoPubWorld돋움체 Medium" panose="00000600000000000000" pitchFamily="2" charset="-127"/>
                 <a:ea typeface="KoPubWorld돋움체 Medium" panose="00000600000000000000" pitchFamily="2" charset="-127"/>
                 <a:cs typeface="KoPubWorld돋움체 Medium" panose="00000600000000000000" pitchFamily="2" charset="-127"/>
               </a:rPr>
-              <a:t>→ 모델의</a:t>
-            </a:r>
-            <a:r>
-              <a:rPr lang="ko-KR" altLang="en-US" sz="1400" dirty="0">
-                <a:solidFill>
-                  <a:srgbClr val="C00000"/>
-                </a:solidFill>
-                <a:latin typeface="KoPubWorld돋움체 Medium" panose="00000600000000000000" pitchFamily="2" charset="-127"/>
-                <a:ea typeface="KoPubWorld돋움체 Medium" panose="00000600000000000000" pitchFamily="2" charset="-127"/>
-                <a:cs typeface="KoPubWorld돋움체 Medium" panose="00000600000000000000" pitchFamily="2" charset="-127"/>
-              </a:rPr>
-              <a:t> </a:t>
-            </a:r>
-            <a:r>
-              <a:rPr lang="ko-KR" altLang="en-US" sz="1400" dirty="0">
-                <a:latin typeface="KoPubWorld돋움체 Medium" panose="00000600000000000000" pitchFamily="2" charset="-127"/>
-                <a:ea typeface="KoPubWorld돋움체 Medium" panose="00000600000000000000" pitchFamily="2" charset="-127"/>
-                <a:cs typeface="KoPubWorld돋움체 Medium" panose="00000600000000000000" pitchFamily="2" charset="-127"/>
-              </a:rPr>
-              <a:t>높은 인식 정확도</a:t>
-            </a:r>
-            <a:endParaRPr lang="ko-KR" altLang="en-US" sz="1400" dirty="0"/>
+              <a:t>에서의 한계점 발견</a:t>
+            </a:r>
+            <a:endParaRPr lang="en-US" altLang="ko-KR" sz="1400" dirty="0">
+              <a:latin typeface="KoPubWorld돋움체 Medium" panose="00000600000000000000" pitchFamily="2" charset="-127"/>
+              <a:ea typeface="KoPubWorld돋움체 Medium" panose="00000600000000000000" pitchFamily="2" charset="-127"/>
+              <a:cs typeface="KoPubWorld돋움체 Medium" panose="00000600000000000000" pitchFamily="2" charset="-127"/>
+            </a:endParaRPr>
           </a:p>
         </p:txBody>
       </p:sp>

--- a/proj_AI/3rd week/1_이경원_모델변경사유.pptx
+++ b/proj_AI/3rd week/1_이경원_모델변경사유.pptx
@@ -476,6 +476,90 @@
     </a:lvl9pPr>
   </p:notesStyle>
 </p:notesMaster>
+</file>
+
+<file path=ppt/notesSlides/notesSlide1.xml><?xml version="1.0" encoding="utf-8"?>
+<p:notes xmlns:a="http://schemas.openxmlformats.org/drawingml/2006/main" xmlns:r="http://schemas.openxmlformats.org/officeDocument/2006/relationships" xmlns:p="http://schemas.openxmlformats.org/presentationml/2006/main">
+  <p:cSld>
+    <p:spTree>
+      <p:nvGrpSpPr>
+        <p:cNvPr id="1" name=""/>
+        <p:cNvGrpSpPr/>
+        <p:nvPr/>
+      </p:nvGrpSpPr>
+      <p:grpSpPr>
+        <a:xfrm>
+          <a:off x="0" y="0"/>
+          <a:ext cx="0" cy="0"/>
+          <a:chOff x="0" y="0"/>
+          <a:chExt cx="0" cy="0"/>
+        </a:xfrm>
+      </p:grpSpPr>
+      <p:sp>
+        <p:nvSpPr>
+          <p:cNvPr id="2" name="슬라이드 이미지 개체 틀 1"/>
+          <p:cNvSpPr>
+            <a:spLocks noGrp="1" noRot="1" noChangeAspect="1"/>
+          </p:cNvSpPr>
+          <p:nvPr>
+            <p:ph type="sldImg"/>
+          </p:nvPr>
+        </p:nvSpPr>
+        <p:spPr/>
+      </p:sp>
+      <p:sp>
+        <p:nvSpPr>
+          <p:cNvPr id="3" name="슬라이드 노트 개체 틀 2"/>
+          <p:cNvSpPr>
+            <a:spLocks noGrp="1"/>
+          </p:cNvSpPr>
+          <p:nvPr>
+            <p:ph type="body" idx="1"/>
+          </p:nvPr>
+        </p:nvSpPr>
+        <p:spPr/>
+        <p:txBody>
+          <a:bodyPr/>
+          <a:lstStyle/>
+          <a:p>
+            <a:endParaRPr lang="ko-KR" altLang="en-US" dirty="0"/>
+          </a:p>
+        </p:txBody>
+      </p:sp>
+      <p:sp>
+        <p:nvSpPr>
+          <p:cNvPr id="4" name="슬라이드 번호 개체 틀 3"/>
+          <p:cNvSpPr>
+            <a:spLocks noGrp="1"/>
+          </p:cNvSpPr>
+          <p:nvPr>
+            <p:ph type="sldNum" sz="quarter" idx="5"/>
+          </p:nvPr>
+        </p:nvSpPr>
+        <p:spPr/>
+        <p:txBody>
+          <a:bodyPr/>
+          <a:lstStyle/>
+          <a:p>
+            <a:fld id="{B13F79EA-DFD0-4F86-ABF1-2B4907938891}" type="slidenum">
+              <a:rPr lang="ko-KR" altLang="en-US" smtClean="0"/>
+              <a:t>1</a:t>
+            </a:fld>
+            <a:endParaRPr lang="ko-KR" altLang="en-US"/>
+          </a:p>
+        </p:txBody>
+      </p:sp>
+    </p:spTree>
+    <p:extLst>
+      <p:ext uri="{BB962C8B-B14F-4D97-AF65-F5344CB8AC3E}">
+        <p14:creationId xmlns:p14="http://schemas.microsoft.com/office/powerpoint/2010/main" val="881464142"/>
+      </p:ext>
+    </p:extLst>
+  </p:cSld>
+  <p:clrMapOvr>
+    <a:masterClrMapping/>
+  </p:clrMapOvr>
+</p:notes>
 </file>
 
 <file path=ppt/slideLayouts/slideLayout1.xml><?xml version="1.0" encoding="utf-8"?>
@@ -3957,8 +4041,8 @@
         </p:nvSpPr>
         <p:spPr>
           <a:xfrm>
-            <a:off x="6362838" y="2130930"/>
-            <a:ext cx="3613303" cy="4429078"/>
+            <a:off x="6362838" y="2130929"/>
+            <a:ext cx="3613303" cy="4528287"/>
           </a:xfrm>
           <a:prstGeom prst="rect">
             <a:avLst/>
@@ -4009,7 +4093,7 @@
         </p:nvSpPr>
         <p:spPr>
           <a:xfrm>
-            <a:off x="6646924" y="2222626"/>
+            <a:off x="6650615" y="2335034"/>
             <a:ext cx="3093493" cy="398460"/>
           </a:xfrm>
           <a:prstGeom prst="rect">
@@ -4070,7 +4154,7 @@
         </p:nvSpPr>
         <p:spPr>
           <a:xfrm>
-            <a:off x="6623311" y="5390665"/>
+            <a:off x="6627002" y="5503073"/>
             <a:ext cx="3087446" cy="977169"/>
           </a:xfrm>
           <a:prstGeom prst="rect">
@@ -4122,206 +4206,6 @@
       </p:sp>
       <p:sp>
         <p:nvSpPr>
-          <p:cNvPr id="73" name="Google Shape;59;p13">
-            <a:extLst>
-              <a:ext uri="{FF2B5EF4-FFF2-40B4-BE49-F238E27FC236}">
-                <a16:creationId xmlns:a16="http://schemas.microsoft.com/office/drawing/2014/main" id="{7A3025DB-5E14-47D8-96C9-48E41B4718BF}"/>
-              </a:ext>
-            </a:extLst>
-          </p:cNvPr>
-          <p:cNvSpPr txBox="1"/>
-          <p:nvPr/>
-        </p:nvSpPr>
-        <p:spPr>
-          <a:xfrm>
-            <a:off x="6741897" y="5536943"/>
-            <a:ext cx="2850274" cy="560400"/>
-          </a:xfrm>
-          <a:prstGeom prst="rect">
-            <a:avLst/>
-          </a:prstGeom>
-          <a:noFill/>
-          <a:ln>
-            <a:noFill/>
-          </a:ln>
-        </p:spPr>
-        <p:txBody>
-          <a:bodyPr spcFirstLastPara="1" wrap="square" lIns="121900" tIns="121900" rIns="121900" bIns="121900" anchor="t" anchorCtr="0">
-            <a:noAutofit/>
-          </a:bodyPr>
-          <a:lstStyle/>
-          <a:p>
-            <a:pPr algn="ctr"/>
-            <a:r>
-              <a:rPr lang="ko-KR" altLang="en-US" sz="1600" dirty="0">
-                <a:solidFill>
-                  <a:srgbClr val="C00000"/>
-                </a:solidFill>
-                <a:latin typeface="KoPubWorld돋움체 Bold" panose="00000800000000000000" pitchFamily="2" charset="-127"/>
-                <a:ea typeface="KoPubWorld돋움체 Bold" panose="00000800000000000000" pitchFamily="2" charset="-127"/>
-                <a:cs typeface="KoPubWorld돋움체 Bold" panose="00000800000000000000" pitchFamily="2" charset="-127"/>
-              </a:rPr>
-              <a:t>상반신을 대상</a:t>
-            </a:r>
-            <a:r>
-              <a:rPr lang="ko-KR" altLang="en-US" sz="1600" dirty="0">
-                <a:latin typeface="KoPubWorld돋움체 Medium" panose="00000600000000000000" pitchFamily="2" charset="-127"/>
-                <a:ea typeface="KoPubWorld돋움체 Medium" panose="00000600000000000000" pitchFamily="2" charset="-127"/>
-                <a:cs typeface="KoPubWorld돋움체 Medium" panose="00000600000000000000" pitchFamily="2" charset="-127"/>
-              </a:rPr>
-              <a:t>으로</a:t>
-            </a:r>
-            <a:r>
-              <a:rPr lang="ko-KR" altLang="en-US" sz="1600" dirty="0">
-                <a:solidFill>
-                  <a:srgbClr val="C00000"/>
-                </a:solidFill>
-                <a:latin typeface="KoPubWorld돋움체 Medium" panose="00000600000000000000" pitchFamily="2" charset="-127"/>
-                <a:ea typeface="KoPubWorld돋움체 Medium" panose="00000600000000000000" pitchFamily="2" charset="-127"/>
-                <a:cs typeface="KoPubWorld돋움체 Medium" panose="00000600000000000000" pitchFamily="2" charset="-127"/>
-              </a:rPr>
-              <a:t> </a:t>
-            </a:r>
-            <a:r>
-              <a:rPr lang="ko-KR" altLang="en-US" sz="1600" dirty="0">
-                <a:latin typeface="KoPubWorld돋움체 Medium" panose="00000600000000000000" pitchFamily="2" charset="-127"/>
-                <a:ea typeface="KoPubWorld돋움체 Medium" panose="00000600000000000000" pitchFamily="2" charset="-127"/>
-                <a:cs typeface="KoPubWorld돋움체 Medium" panose="00000600000000000000" pitchFamily="2" charset="-127"/>
-              </a:rPr>
-              <a:t>한</a:t>
-            </a:r>
-            <a:r>
-              <a:rPr lang="ko-KR" altLang="en-US" sz="1600" dirty="0">
-                <a:solidFill>
-                  <a:srgbClr val="C00000"/>
-                </a:solidFill>
-                <a:latin typeface="KoPubWorld돋움체 Medium" panose="00000600000000000000" pitchFamily="2" charset="-127"/>
-                <a:ea typeface="KoPubWorld돋움체 Medium" panose="00000600000000000000" pitchFamily="2" charset="-127"/>
-                <a:cs typeface="KoPubWorld돋움체 Medium" panose="00000600000000000000" pitchFamily="2" charset="-127"/>
-              </a:rPr>
-              <a:t> </a:t>
-            </a:r>
-            <a:r>
-              <a:rPr lang="ko-KR" altLang="en-US" sz="1600" dirty="0">
-                <a:latin typeface="KoPubWorld돋움체 Medium" panose="00000600000000000000" pitchFamily="2" charset="-127"/>
-                <a:ea typeface="KoPubWorld돋움체 Medium" panose="00000600000000000000" pitchFamily="2" charset="-127"/>
-                <a:cs typeface="KoPubWorld돋움체 Medium" panose="00000600000000000000" pitchFamily="2" charset="-127"/>
-              </a:rPr>
-              <a:t>모델 </a:t>
-            </a:r>
-            <a:endParaRPr lang="en-US" altLang="ko-KR" sz="1600" dirty="0">
-              <a:latin typeface="KoPubWorld돋움체 Medium" panose="00000600000000000000" pitchFamily="2" charset="-127"/>
-              <a:ea typeface="KoPubWorld돋움체 Medium" panose="00000600000000000000" pitchFamily="2" charset="-127"/>
-              <a:cs typeface="KoPubWorld돋움체 Medium" panose="00000600000000000000" pitchFamily="2" charset="-127"/>
-            </a:endParaRPr>
-          </a:p>
-        </p:txBody>
-      </p:sp>
-      <p:sp>
-        <p:nvSpPr>
-          <p:cNvPr id="74" name="순서도: 대체 처리 73">
-            <a:extLst>
-              <a:ext uri="{FF2B5EF4-FFF2-40B4-BE49-F238E27FC236}">
-                <a16:creationId xmlns:a16="http://schemas.microsoft.com/office/drawing/2014/main" id="{D6F51FAF-492A-4FBB-9C4D-F1A1170C83DA}"/>
-              </a:ext>
-            </a:extLst>
-          </p:cNvPr>
-          <p:cNvSpPr/>
-          <p:nvPr/>
-        </p:nvSpPr>
-        <p:spPr>
-          <a:xfrm>
-            <a:off x="7480254" y="5246210"/>
-            <a:ext cx="1431636" cy="259358"/>
-          </a:xfrm>
-          <a:prstGeom prst="flowChartAlternateProcess">
-            <a:avLst/>
-          </a:prstGeom>
-          <a:solidFill>
-            <a:schemeClr val="accent6">
-              <a:lumMod val="60000"/>
-              <a:lumOff val="40000"/>
-            </a:schemeClr>
-          </a:solidFill>
-          <a:ln>
-            <a:noFill/>
-          </a:ln>
-        </p:spPr>
-        <p:style>
-          <a:lnRef idx="2">
-            <a:schemeClr val="accent1">
-              <a:shade val="50000"/>
-            </a:schemeClr>
-          </a:lnRef>
-          <a:fillRef idx="1">
-            <a:schemeClr val="accent1"/>
-          </a:fillRef>
-          <a:effectRef idx="0">
-            <a:schemeClr val="accent1"/>
-          </a:effectRef>
-          <a:fontRef idx="minor">
-            <a:schemeClr val="lt1"/>
-          </a:fontRef>
-        </p:style>
-        <p:txBody>
-          <a:bodyPr rtlCol="0" anchor="ctr"/>
-          <a:lstStyle/>
-          <a:p>
-            <a:pPr algn="ctr"/>
-            <a:endParaRPr lang="ko-KR" altLang="en-US"/>
-          </a:p>
-        </p:txBody>
-      </p:sp>
-      <p:sp>
-        <p:nvSpPr>
-          <p:cNvPr id="75" name="Google Shape;59;p13">
-            <a:extLst>
-              <a:ext uri="{FF2B5EF4-FFF2-40B4-BE49-F238E27FC236}">
-                <a16:creationId xmlns:a16="http://schemas.microsoft.com/office/drawing/2014/main" id="{4F1820C9-5A56-4A65-96EA-9D9D223092A7}"/>
-              </a:ext>
-            </a:extLst>
-          </p:cNvPr>
-          <p:cNvSpPr txBox="1"/>
-          <p:nvPr/>
-        </p:nvSpPr>
-        <p:spPr>
-          <a:xfrm>
-            <a:off x="7614215" y="5155848"/>
-            <a:ext cx="1163713" cy="333249"/>
-          </a:xfrm>
-          <a:prstGeom prst="rect">
-            <a:avLst/>
-          </a:prstGeom>
-          <a:noFill/>
-          <a:ln>
-            <a:noFill/>
-          </a:ln>
-        </p:spPr>
-        <p:txBody>
-          <a:bodyPr spcFirstLastPara="1" wrap="square" lIns="121900" tIns="121900" rIns="121900" bIns="121900" anchor="t" anchorCtr="0">
-            <a:noAutofit/>
-          </a:bodyPr>
-          <a:lstStyle/>
-          <a:p>
-            <a:pPr algn="ctr"/>
-            <a:r>
-              <a:rPr lang="en-US" sz="1400" dirty="0">
-                <a:latin typeface="KoPubWorld돋움체 Medium" panose="00000600000000000000" pitchFamily="2" charset="-127"/>
-                <a:ea typeface="KoPubWorld돋움체 Medium" panose="00000600000000000000" pitchFamily="2" charset="-127"/>
-                <a:cs typeface="KoPubWorld돋움체 Medium" panose="00000600000000000000" pitchFamily="2" charset="-127"/>
-              </a:rPr>
-              <a:t>solution</a:t>
-            </a:r>
-            <a:endParaRPr sz="1400" dirty="0">
-              <a:latin typeface="KoPubWorld돋움체 Medium" panose="00000600000000000000" pitchFamily="2" charset="-127"/>
-              <a:ea typeface="KoPubWorld돋움체 Medium" panose="00000600000000000000" pitchFamily="2" charset="-127"/>
-              <a:cs typeface="KoPubWorld돋움체 Medium" panose="00000600000000000000" pitchFamily="2" charset="-127"/>
-            </a:endParaRPr>
-          </a:p>
-        </p:txBody>
-      </p:sp>
-      <p:sp>
-        <p:nvSpPr>
           <p:cNvPr id="51" name="직사각형 50">
             <a:extLst>
               <a:ext uri="{FF2B5EF4-FFF2-40B4-BE49-F238E27FC236}">
@@ -4335,7 +4219,7 @@
         <p:spPr>
           <a:xfrm>
             <a:off x="2211141" y="2118906"/>
-            <a:ext cx="3613303" cy="4429078"/>
+            <a:ext cx="3613303" cy="4540310"/>
           </a:xfrm>
           <a:prstGeom prst="rect">
             <a:avLst/>
@@ -4386,7 +4270,7 @@
         </p:nvSpPr>
         <p:spPr>
           <a:xfrm>
-            <a:off x="2501412" y="2222625"/>
+            <a:off x="2497056" y="2335034"/>
             <a:ext cx="3093493" cy="398461"/>
           </a:xfrm>
           <a:prstGeom prst="rect">
@@ -4447,7 +4331,7 @@
         </p:nvSpPr>
         <p:spPr>
           <a:xfrm>
-            <a:off x="2484684" y="5366883"/>
+            <a:off x="2480328" y="5479292"/>
             <a:ext cx="3087446" cy="977215"/>
           </a:xfrm>
           <a:prstGeom prst="rect">
@@ -4511,7 +4395,7 @@
         </p:nvSpPr>
         <p:spPr>
           <a:xfrm>
-            <a:off x="2622580" y="5521082"/>
+            <a:off x="2618224" y="5633491"/>
             <a:ext cx="2731118" cy="891033"/>
           </a:xfrm>
           <a:prstGeom prst="rect">
@@ -4542,201 +4426,19 @@
       </p:sp>
       <p:sp>
         <p:nvSpPr>
-          <p:cNvPr id="84" name="순서도: 대체 처리 83">
-            <a:extLst>
-              <a:ext uri="{FF2B5EF4-FFF2-40B4-BE49-F238E27FC236}">
-                <a16:creationId xmlns:a16="http://schemas.microsoft.com/office/drawing/2014/main" id="{5029E1D1-D255-40C0-8FB0-CBD116C364FD}"/>
-              </a:ext>
-            </a:extLst>
-          </p:cNvPr>
-          <p:cNvSpPr/>
+          <p:cNvPr id="39" name="TextBox 38">
+            <a:extLst>
+              <a:ext uri="{FF2B5EF4-FFF2-40B4-BE49-F238E27FC236}">
+                <a16:creationId xmlns:a16="http://schemas.microsoft.com/office/drawing/2014/main" id="{4EBBDD28-E75B-45D5-A098-E30DA261734D}"/>
+              </a:ext>
+            </a:extLst>
+          </p:cNvPr>
+          <p:cNvSpPr txBox="1"/>
           <p:nvPr/>
         </p:nvSpPr>
         <p:spPr>
           <a:xfrm>
-            <a:off x="3272321" y="5220308"/>
-            <a:ext cx="1431636" cy="259358"/>
-          </a:xfrm>
-          <a:prstGeom prst="flowChartAlternateProcess">
-            <a:avLst/>
-          </a:prstGeom>
-          <a:solidFill>
-            <a:schemeClr val="accent4">
-              <a:lumMod val="60000"/>
-              <a:lumOff val="40000"/>
-            </a:schemeClr>
-          </a:solidFill>
-          <a:ln>
-            <a:noFill/>
-          </a:ln>
-        </p:spPr>
-        <p:style>
-          <a:lnRef idx="2">
-            <a:schemeClr val="accent1">
-              <a:shade val="50000"/>
-            </a:schemeClr>
-          </a:lnRef>
-          <a:fillRef idx="1">
-            <a:schemeClr val="accent1"/>
-          </a:fillRef>
-          <a:effectRef idx="0">
-            <a:schemeClr val="accent1"/>
-          </a:effectRef>
-          <a:fontRef idx="minor">
-            <a:schemeClr val="lt1"/>
-          </a:fontRef>
-        </p:style>
-        <p:txBody>
-          <a:bodyPr rtlCol="0" anchor="ctr"/>
-          <a:lstStyle/>
-          <a:p>
-            <a:pPr algn="ctr"/>
-            <a:endParaRPr lang="ko-KR" altLang="en-US"/>
-          </a:p>
-        </p:txBody>
-      </p:sp>
-      <p:sp>
-        <p:nvSpPr>
-          <p:cNvPr id="85" name="Google Shape;59;p13">
-            <a:extLst>
-              <a:ext uri="{FF2B5EF4-FFF2-40B4-BE49-F238E27FC236}">
-                <a16:creationId xmlns:a16="http://schemas.microsoft.com/office/drawing/2014/main" id="{8F8C5101-1CFF-4FB1-980C-FEB48AF5253B}"/>
-              </a:ext>
-            </a:extLst>
-          </p:cNvPr>
-          <p:cNvSpPr txBox="1"/>
-          <p:nvPr/>
-        </p:nvSpPr>
-        <p:spPr>
-          <a:xfrm>
-            <a:off x="3526000" y="5125031"/>
-            <a:ext cx="903651" cy="333249"/>
-          </a:xfrm>
-          <a:prstGeom prst="rect">
-            <a:avLst/>
-          </a:prstGeom>
-          <a:noFill/>
-          <a:ln>
-            <a:noFill/>
-          </a:ln>
-        </p:spPr>
-        <p:txBody>
-          <a:bodyPr spcFirstLastPara="1" wrap="square" lIns="121900" tIns="121900" rIns="121900" bIns="121900" anchor="t" anchorCtr="0">
-            <a:noAutofit/>
-          </a:bodyPr>
-          <a:lstStyle/>
-          <a:p>
-            <a:pPr algn="ctr"/>
-            <a:r>
-              <a:rPr lang="en-US" altLang="ko" sz="1400" dirty="0">
-                <a:latin typeface="KoPubWorld돋움체 Medium" panose="00000600000000000000" pitchFamily="2" charset="-127"/>
-                <a:ea typeface="KoPubWorld돋움체 Medium" panose="00000600000000000000" pitchFamily="2" charset="-127"/>
-                <a:cs typeface="KoPubWorld돋움체 Medium" panose="00000600000000000000" pitchFamily="2" charset="-127"/>
-              </a:rPr>
-              <a:t>problem</a:t>
-            </a:r>
-            <a:endParaRPr sz="1400" dirty="0">
-              <a:latin typeface="KoPubWorld돋움체 Medium" panose="00000600000000000000" pitchFamily="2" charset="-127"/>
-              <a:ea typeface="KoPubWorld돋움체 Medium" panose="00000600000000000000" pitchFamily="2" charset="-127"/>
-              <a:cs typeface="KoPubWorld돋움체 Medium" panose="00000600000000000000" pitchFamily="2" charset="-127"/>
-            </a:endParaRPr>
-          </a:p>
-        </p:txBody>
-      </p:sp>
-      <p:sp>
-        <p:nvSpPr>
-          <p:cNvPr id="24" name="Google Shape;59;p13">
-            <a:extLst>
-              <a:ext uri="{FF2B5EF4-FFF2-40B4-BE49-F238E27FC236}">
-                <a16:creationId xmlns:a16="http://schemas.microsoft.com/office/drawing/2014/main" id="{F3B5C415-1A95-44BA-BF35-28ED4B4C0A7C}"/>
-              </a:ext>
-            </a:extLst>
-          </p:cNvPr>
-          <p:cNvSpPr txBox="1"/>
-          <p:nvPr/>
-        </p:nvSpPr>
-        <p:spPr>
-          <a:xfrm>
-            <a:off x="2673867" y="5441477"/>
-            <a:ext cx="2662479" cy="560400"/>
-          </a:xfrm>
-          <a:prstGeom prst="rect">
-            <a:avLst/>
-          </a:prstGeom>
-          <a:noFill/>
-          <a:ln>
-            <a:noFill/>
-          </a:ln>
-        </p:spPr>
-        <p:txBody>
-          <a:bodyPr spcFirstLastPara="1" wrap="square" lIns="121900" tIns="121900" rIns="121900" bIns="121900" anchor="t" anchorCtr="0">
-            <a:noAutofit/>
-          </a:bodyPr>
-          <a:lstStyle/>
-          <a:p>
-            <a:pPr algn="ctr">
-              <a:lnSpc>
-                <a:spcPct val="150000"/>
-              </a:lnSpc>
-            </a:pPr>
-            <a:r>
-              <a:rPr lang="ko-KR" altLang="en-US" sz="1600" b="1" dirty="0">
-                <a:solidFill>
-                  <a:srgbClr val="C00000"/>
-                </a:solidFill>
-                <a:latin typeface="KoPubWorld돋움체 Bold" panose="00000800000000000000" pitchFamily="2" charset="-127"/>
-                <a:ea typeface="KoPubWorld돋움체 Bold" panose="00000800000000000000" pitchFamily="2" charset="-127"/>
-                <a:cs typeface="KoPubWorld돋움체 Bold" panose="00000800000000000000" pitchFamily="2" charset="-127"/>
-              </a:rPr>
-              <a:t>전신을 대상</a:t>
-            </a:r>
-            <a:r>
-              <a:rPr lang="ko-KR" altLang="en-US" sz="1600" dirty="0">
-                <a:latin typeface="KoPubWorld돋움체 Medium" panose="00000600000000000000" pitchFamily="2" charset="-127"/>
-                <a:ea typeface="KoPubWorld돋움체 Medium" panose="00000600000000000000" pitchFamily="2" charset="-127"/>
-                <a:cs typeface="KoPubWorld돋움체 Medium" panose="00000600000000000000" pitchFamily="2" charset="-127"/>
-              </a:rPr>
-              <a:t>으로</a:t>
-            </a:r>
-            <a:r>
-              <a:rPr lang="ko-KR" altLang="en-US" sz="1600" b="1" dirty="0">
-                <a:latin typeface="KoPubWorld돋움체 Bold" panose="00000800000000000000" pitchFamily="2" charset="-127"/>
-                <a:ea typeface="KoPubWorld돋움체 Bold" panose="00000800000000000000" pitchFamily="2" charset="-127"/>
-                <a:cs typeface="KoPubWorld돋움체 Bold" panose="00000800000000000000" pitchFamily="2" charset="-127"/>
-              </a:rPr>
-              <a:t> </a:t>
-            </a:r>
-            <a:r>
-              <a:rPr lang="ko-KR" altLang="en-US" sz="1600" dirty="0">
-                <a:latin typeface="KoPubWorld돋움체 Medium" panose="00000600000000000000" pitchFamily="2" charset="-127"/>
-                <a:ea typeface="KoPubWorld돋움체 Medium" panose="00000600000000000000" pitchFamily="2" charset="-127"/>
-                <a:cs typeface="KoPubWorld돋움체 Medium" panose="00000600000000000000" pitchFamily="2" charset="-127"/>
-              </a:rPr>
-              <a:t>한 모델</a:t>
-            </a:r>
-            <a:endParaRPr lang="en-US" altLang="ko-KR" sz="1600" dirty="0">
-              <a:latin typeface="KoPubWorld돋움체 Medium" panose="00000600000000000000" pitchFamily="2" charset="-127"/>
-              <a:ea typeface="KoPubWorld돋움체 Medium" panose="00000600000000000000" pitchFamily="2" charset="-127"/>
-              <a:cs typeface="KoPubWorld돋움체 Medium" panose="00000600000000000000" pitchFamily="2" charset="-127"/>
-            </a:endParaRPr>
-          </a:p>
-        </p:txBody>
-      </p:sp>
-      <p:sp>
-        <p:nvSpPr>
-          <p:cNvPr id="39" name="TextBox 38">
-            <a:extLst>
-              <a:ext uri="{FF2B5EF4-FFF2-40B4-BE49-F238E27FC236}">
-                <a16:creationId xmlns:a16="http://schemas.microsoft.com/office/drawing/2014/main" id="{4EBBDD28-E75B-45D5-A098-E30DA261734D}"/>
-              </a:ext>
-            </a:extLst>
-          </p:cNvPr>
-          <p:cNvSpPr txBox="1"/>
-          <p:nvPr/>
-        </p:nvSpPr>
-        <p:spPr>
-          <a:xfrm>
-            <a:off x="2399554" y="2201583"/>
+            <a:off x="2395198" y="2313992"/>
             <a:ext cx="3250824" cy="430887"/>
           </a:xfrm>
           <a:prstGeom prst="rect">
@@ -4778,57 +4480,19 @@
       </p:sp>
       <p:sp>
         <p:nvSpPr>
-          <p:cNvPr id="3" name="직사각형 2">
-            <a:extLst>
-              <a:ext uri="{FF2B5EF4-FFF2-40B4-BE49-F238E27FC236}">
-                <a16:creationId xmlns:a16="http://schemas.microsoft.com/office/drawing/2014/main" id="{9463B624-ED6B-47DE-B7C4-1F9F186A4D7D}"/>
-              </a:ext>
-            </a:extLst>
-          </p:cNvPr>
-          <p:cNvSpPr/>
+          <p:cNvPr id="28" name="TextBox 27">
+            <a:extLst>
+              <a:ext uri="{FF2B5EF4-FFF2-40B4-BE49-F238E27FC236}">
+                <a16:creationId xmlns:a16="http://schemas.microsoft.com/office/drawing/2014/main" id="{7FA4A02C-9B99-42C7-824F-DDC00F228678}"/>
+              </a:ext>
+            </a:extLst>
+          </p:cNvPr>
+          <p:cNvSpPr txBox="1"/>
           <p:nvPr/>
         </p:nvSpPr>
         <p:spPr>
           <a:xfrm>
-            <a:off x="6883361" y="5953989"/>
-            <a:ext cx="2521844" cy="276999"/>
-          </a:xfrm>
-          <a:prstGeom prst="rect">
-            <a:avLst/>
-          </a:prstGeom>
-        </p:spPr>
-        <p:txBody>
-          <a:bodyPr wrap="none">
-            <a:spAutoFit/>
-          </a:bodyPr>
-          <a:lstStyle/>
-          <a:p>
-            <a:r>
-              <a:rPr lang="ko-KR" altLang="en-US" sz="1200" dirty="0">
-                <a:latin typeface="KoPubWorld돋움체 Medium" panose="00000600000000000000" pitchFamily="2" charset="-127"/>
-                <a:ea typeface="KoPubWorld돋움체 Medium" panose="00000600000000000000" pitchFamily="2" charset="-127"/>
-                <a:cs typeface="KoPubWorld돋움체 Medium" panose="00000600000000000000" pitchFamily="2" charset="-127"/>
-              </a:rPr>
-              <a:t>→ 상반신만을 대상으로 정확하게 인식</a:t>
-            </a:r>
-          </a:p>
-        </p:txBody>
-      </p:sp>
-      <p:sp>
-        <p:nvSpPr>
-          <p:cNvPr id="28" name="TextBox 27">
-            <a:extLst>
-              <a:ext uri="{FF2B5EF4-FFF2-40B4-BE49-F238E27FC236}">
-                <a16:creationId xmlns:a16="http://schemas.microsoft.com/office/drawing/2014/main" id="{7FA4A02C-9B99-42C7-824F-DDC00F228678}"/>
-              </a:ext>
-            </a:extLst>
-          </p:cNvPr>
-          <p:cNvSpPr txBox="1"/>
-          <p:nvPr/>
-        </p:nvSpPr>
-        <p:spPr>
-          <a:xfrm>
-            <a:off x="6541622" y="2194661"/>
+            <a:off x="6541260" y="2293169"/>
             <a:ext cx="3250824" cy="430887"/>
           </a:xfrm>
           <a:prstGeom prst="rect">
@@ -4883,14 +4547,14 @@
           <p:nvPr/>
         </p:nvPicPr>
         <p:blipFill>
-          <a:blip r:embed="rId2"/>
+          <a:blip r:embed="rId3"/>
           <a:stretch>
             <a:fillRect/>
           </a:stretch>
         </p:blipFill>
         <p:spPr>
           <a:xfrm>
-            <a:off x="2491740" y="2717200"/>
+            <a:off x="2487384" y="2829609"/>
             <a:ext cx="3080390" cy="2379281"/>
           </a:xfrm>
           <a:prstGeom prst="rect">
@@ -4913,13 +4577,13 @@
           <p:nvPr/>
         </p:nvPicPr>
         <p:blipFill rotWithShape="1">
-          <a:blip r:embed="rId3"/>
+          <a:blip r:embed="rId4"/>
           <a:srcRect l="3770" t="21918" r="32045" b="21360"/>
           <a:stretch/>
         </p:blipFill>
         <p:spPr>
           <a:xfrm>
-            <a:off x="6652971" y="2742823"/>
+            <a:off x="6656662" y="2855231"/>
             <a:ext cx="3087446" cy="2353659"/>
           </a:xfrm>
           <a:prstGeom prst="rect">
@@ -4941,7 +4605,7 @@
         </p:nvSpPr>
         <p:spPr>
           <a:xfrm>
-            <a:off x="5661731" y="3780169"/>
+            <a:off x="5659372" y="3814036"/>
             <a:ext cx="905692" cy="501156"/>
           </a:xfrm>
           <a:prstGeom prst="rightArrow">
@@ -4990,7 +4654,7 @@
                 <a:ea typeface="KoPubWorld돋움체 Medium" panose="00000600000000000000" pitchFamily="2" charset="-127"/>
                 <a:cs typeface="KoPubWorld돋움체 Medium" panose="00000600000000000000" pitchFamily="2" charset="-127"/>
               </a:rPr>
-              <a:t>Develop</a:t>
+              <a:t>Solution</a:t>
             </a:r>
           </a:p>
         </p:txBody>
@@ -5009,8 +4673,8 @@
         </p:nvSpPr>
         <p:spPr>
           <a:xfrm>
-            <a:off x="2814502" y="5886971"/>
-            <a:ext cx="2387192" cy="346249"/>
+            <a:off x="3110916" y="5543938"/>
+            <a:ext cx="1745734" cy="800219"/>
           </a:xfrm>
           <a:prstGeom prst="rect">
             <a:avLst/>
@@ -5028,20 +4692,67 @@
               </a:lnSpc>
             </a:pPr>
             <a:r>
-              <a:rPr lang="ko-KR" altLang="en-US" sz="1200" b="1" dirty="0">
+              <a:rPr lang="en-US" altLang="ko-KR" sz="1600" dirty="0">
+                <a:latin typeface="KoPubWorld돋움체 Medium" panose="00000600000000000000" pitchFamily="2" charset="-127"/>
+                <a:ea typeface="KoPubWorld돋움체 Medium" panose="00000600000000000000" pitchFamily="2" charset="-127"/>
+                <a:cs typeface="KoPubWorld돋움체 Medium" panose="00000600000000000000" pitchFamily="2" charset="-127"/>
+              </a:rPr>
+              <a:t>Body</a:t>
+            </a:r>
+            <a:r>
+              <a:rPr lang="en-US" altLang="ko-KR" sz="1600" b="1" dirty="0">
                 <a:latin typeface="KoPubWorld돋움체 Bold" panose="00000800000000000000" pitchFamily="2" charset="-127"/>
                 <a:ea typeface="KoPubWorld돋움체 Bold" panose="00000800000000000000" pitchFamily="2" charset="-127"/>
                 <a:cs typeface="KoPubWorld돋움체 Bold" panose="00000800000000000000" pitchFamily="2" charset="-127"/>
               </a:rPr>
-              <a:t>→ </a:t>
-            </a:r>
-            <a:r>
-              <a:rPr lang="ko-KR" altLang="en-US" sz="1200" dirty="0">
+              <a:t> </a:t>
+            </a:r>
+            <a:r>
+              <a:rPr lang="en-US" altLang="ko-KR" sz="1600" dirty="0">
                 <a:latin typeface="KoPubWorld돋움체 Medium" panose="00000600000000000000" pitchFamily="2" charset="-127"/>
                 <a:ea typeface="KoPubWorld돋움체 Medium" panose="00000600000000000000" pitchFamily="2" charset="-127"/>
                 <a:cs typeface="KoPubWorld돋움체 Medium" panose="00000600000000000000" pitchFamily="2" charset="-127"/>
               </a:rPr>
-              <a:t>상반신만을 대상 부정확하게 인식</a:t>
+              <a:t>Skeleton</a:t>
+            </a:r>
+            <a:r>
+              <a:rPr lang="ko-KR" altLang="en-US" sz="1600" dirty="0">
+                <a:latin typeface="KoPubWorld돋움체 Medium" panose="00000600000000000000" pitchFamily="2" charset="-127"/>
+                <a:ea typeface="KoPubWorld돋움체 Medium" panose="00000600000000000000" pitchFamily="2" charset="-127"/>
+                <a:cs typeface="KoPubWorld돋움체 Medium" panose="00000600000000000000" pitchFamily="2" charset="-127"/>
+              </a:rPr>
+              <a:t>을 </a:t>
+            </a:r>
+            <a:endParaRPr lang="en-US" altLang="ko-KR" sz="1600" dirty="0">
+              <a:latin typeface="KoPubWorld돋움체 Medium" panose="00000600000000000000" pitchFamily="2" charset="-127"/>
+              <a:ea typeface="KoPubWorld돋움체 Medium" panose="00000600000000000000" pitchFamily="2" charset="-127"/>
+              <a:cs typeface="KoPubWorld돋움체 Medium" panose="00000600000000000000" pitchFamily="2" charset="-127"/>
+            </a:endParaRPr>
+          </a:p>
+          <a:p>
+            <a:pPr algn="ctr">
+              <a:lnSpc>
+                <a:spcPct val="150000"/>
+              </a:lnSpc>
+            </a:pPr>
+            <a:r>
+              <a:rPr lang="ko-KR" altLang="en-US" sz="1600" b="1" dirty="0">
+                <a:solidFill>
+                  <a:srgbClr val="FF0000"/>
+                </a:solidFill>
+                <a:latin typeface="KoPubWorld돋움체 Medium" panose="00000600000000000000" pitchFamily="2" charset="-127"/>
+                <a:ea typeface="KoPubWorld돋움체 Medium" panose="00000600000000000000" pitchFamily="2" charset="-127"/>
+                <a:cs typeface="KoPubWorld돋움체 Medium" panose="00000600000000000000" pitchFamily="2" charset="-127"/>
+              </a:rPr>
+              <a:t>부정확</a:t>
+            </a:r>
+            <a:r>
+              <a:rPr lang="ko-KR" altLang="en-US" sz="1600" b="1" dirty="0">
+                <a:latin typeface="KoPubWorld돋움체 Medium" panose="00000600000000000000" pitchFamily="2" charset="-127"/>
+                <a:ea typeface="KoPubWorld돋움체 Medium" panose="00000600000000000000" pitchFamily="2" charset="-127"/>
+                <a:cs typeface="KoPubWorld돋움체 Medium" panose="00000600000000000000" pitchFamily="2" charset="-127"/>
+              </a:rPr>
+              <a:t>하게 인식</a:t>
             </a:r>
           </a:p>
         </p:txBody>
@@ -5150,6 +4861,104 @@
               <a:ea typeface="KoPubWorld돋움체 Medium" panose="00000600000000000000" pitchFamily="2" charset="-127"/>
               <a:cs typeface="KoPubWorld돋움체 Medium" panose="00000600000000000000" pitchFamily="2" charset="-127"/>
             </a:endParaRPr>
+          </a:p>
+        </p:txBody>
+      </p:sp>
+      <p:sp>
+        <p:nvSpPr>
+          <p:cNvPr id="29" name="직사각형 28">
+            <a:extLst>
+              <a:ext uri="{FF2B5EF4-FFF2-40B4-BE49-F238E27FC236}">
+                <a16:creationId xmlns:a16="http://schemas.microsoft.com/office/drawing/2014/main" id="{A7B5E8D7-247E-456A-BCE1-2AB979AE5D35}"/>
+              </a:ext>
+            </a:extLst>
+          </p:cNvPr>
+          <p:cNvSpPr/>
+          <p:nvPr/>
+        </p:nvSpPr>
+        <p:spPr>
+          <a:xfrm>
+            <a:off x="7293805" y="5543938"/>
+            <a:ext cx="1745734" cy="800219"/>
+          </a:xfrm>
+          <a:prstGeom prst="rect">
+            <a:avLst/>
+          </a:prstGeom>
+        </p:spPr>
+        <p:txBody>
+          <a:bodyPr wrap="none">
+            <a:spAutoFit/>
+          </a:bodyPr>
+          <a:lstStyle/>
+          <a:p>
+            <a:pPr algn="ctr">
+              <a:lnSpc>
+                <a:spcPct val="150000"/>
+              </a:lnSpc>
+            </a:pPr>
+            <a:r>
+              <a:rPr lang="en-US" altLang="ko-KR" sz="1600" dirty="0">
+                <a:latin typeface="KoPubWorld돋움체 Medium" panose="00000600000000000000" pitchFamily="2" charset="-127"/>
+                <a:ea typeface="KoPubWorld돋움체 Medium" panose="00000600000000000000" pitchFamily="2" charset="-127"/>
+                <a:cs typeface="KoPubWorld돋움체 Medium" panose="00000600000000000000" pitchFamily="2" charset="-127"/>
+              </a:rPr>
+              <a:t>Body</a:t>
+            </a:r>
+            <a:r>
+              <a:rPr lang="en-US" altLang="ko-KR" sz="1600" b="1" dirty="0">
+                <a:latin typeface="KoPubWorld돋움체 Bold" panose="00000800000000000000" pitchFamily="2" charset="-127"/>
+                <a:ea typeface="KoPubWorld돋움체 Bold" panose="00000800000000000000" pitchFamily="2" charset="-127"/>
+                <a:cs typeface="KoPubWorld돋움체 Bold" panose="00000800000000000000" pitchFamily="2" charset="-127"/>
+              </a:rPr>
+              <a:t> </a:t>
+            </a:r>
+            <a:r>
+              <a:rPr lang="en-US" altLang="ko-KR" sz="1600" dirty="0">
+                <a:latin typeface="KoPubWorld돋움체 Medium" panose="00000600000000000000" pitchFamily="2" charset="-127"/>
+                <a:ea typeface="KoPubWorld돋움체 Medium" panose="00000600000000000000" pitchFamily="2" charset="-127"/>
+                <a:cs typeface="KoPubWorld돋움체 Medium" panose="00000600000000000000" pitchFamily="2" charset="-127"/>
+              </a:rPr>
+              <a:t>Skeleton</a:t>
+            </a:r>
+            <a:r>
+              <a:rPr lang="ko-KR" altLang="en-US" sz="1600" dirty="0">
+                <a:latin typeface="KoPubWorld돋움체 Medium" panose="00000600000000000000" pitchFamily="2" charset="-127"/>
+                <a:ea typeface="KoPubWorld돋움체 Medium" panose="00000600000000000000" pitchFamily="2" charset="-127"/>
+                <a:cs typeface="KoPubWorld돋움체 Medium" panose="00000600000000000000" pitchFamily="2" charset="-127"/>
+              </a:rPr>
+              <a:t>을 </a:t>
+            </a:r>
+            <a:endParaRPr lang="en-US" altLang="ko-KR" sz="1600" dirty="0">
+              <a:latin typeface="KoPubWorld돋움체 Medium" panose="00000600000000000000" pitchFamily="2" charset="-127"/>
+              <a:ea typeface="KoPubWorld돋움체 Medium" panose="00000600000000000000" pitchFamily="2" charset="-127"/>
+              <a:cs typeface="KoPubWorld돋움체 Medium" panose="00000600000000000000" pitchFamily="2" charset="-127"/>
+            </a:endParaRPr>
+          </a:p>
+          <a:p>
+            <a:pPr algn="ctr">
+              <a:lnSpc>
+                <a:spcPct val="150000"/>
+              </a:lnSpc>
+            </a:pPr>
+            <a:r>
+              <a:rPr lang="ko-KR" altLang="en-US" sz="1600" b="1" dirty="0">
+                <a:solidFill>
+                  <a:srgbClr val="FF0000"/>
+                </a:solidFill>
+                <a:latin typeface="KoPubWorld돋움체 Medium" panose="00000600000000000000" pitchFamily="2" charset="-127"/>
+                <a:ea typeface="KoPubWorld돋움체 Medium" panose="00000600000000000000" pitchFamily="2" charset="-127"/>
+                <a:cs typeface="KoPubWorld돋움체 Medium" panose="00000600000000000000" pitchFamily="2" charset="-127"/>
+              </a:rPr>
+              <a:t>정확</a:t>
+            </a:r>
+            <a:r>
+              <a:rPr lang="ko-KR" altLang="en-US" sz="1600" b="1" dirty="0">
+                <a:latin typeface="KoPubWorld돋움체 Medium" panose="00000600000000000000" pitchFamily="2" charset="-127"/>
+                <a:ea typeface="KoPubWorld돋움체 Medium" panose="00000600000000000000" pitchFamily="2" charset="-127"/>
+                <a:cs typeface="KoPubWorld돋움체 Medium" panose="00000600000000000000" pitchFamily="2" charset="-127"/>
+              </a:rPr>
+              <a:t>하게 인식</a:t>
+            </a:r>
           </a:p>
         </p:txBody>
       </p:sp>
